--- a/Rapport/Projet Enigma.pptx
+++ b/Rapport/Projet Enigma.pptx
@@ -8,12 +8,17 @@
     <p:sldId id="256" r:id="rId2"/>
     <p:sldId id="257" r:id="rId3"/>
     <p:sldId id="259" r:id="rId4"/>
-    <p:sldId id="260" r:id="rId5"/>
-    <p:sldId id="261" r:id="rId6"/>
-    <p:sldId id="262" r:id="rId7"/>
-    <p:sldId id="263" r:id="rId8"/>
-    <p:sldId id="264" r:id="rId9"/>
-    <p:sldId id="258" r:id="rId10"/>
+    <p:sldId id="265" r:id="rId5"/>
+    <p:sldId id="260" r:id="rId6"/>
+    <p:sldId id="266" r:id="rId7"/>
+    <p:sldId id="261" r:id="rId8"/>
+    <p:sldId id="267" r:id="rId9"/>
+    <p:sldId id="262" r:id="rId10"/>
+    <p:sldId id="263" r:id="rId11"/>
+    <p:sldId id="264" r:id="rId12"/>
+    <p:sldId id="268" r:id="rId13"/>
+    <p:sldId id="269" r:id="rId14"/>
+    <p:sldId id="258" r:id="rId15"/>
   </p:sldIdLst>
   <p:sldSz cx="12192000" cy="6858000"/>
   <p:notesSz cx="6858000" cy="9144000"/>
@@ -112,6 +117,11 @@
       </a:defRPr>
     </a:lvl9pPr>
   </p:defaultTextStyle>
+  <p:extLst>
+    <p:ext uri="{EFAFB233-063F-42B5-8137-9DF3F51BA10A}">
+      <p15:sldGuideLst xmlns:p15="http://schemas.microsoft.com/office/powerpoint/2012/main"/>
+    </p:ext>
+  </p:extLst>
 </p:presentation>
 </file>
 
@@ -304,7 +314,7 @@
             <a:fld id="{B61BEF0D-F0BB-DE4B-95CE-6DB70DBA9567}" type="datetimeFigureOut">
               <a:rPr lang="en-US" dirty="0"/>
               <a:pPr/>
-              <a:t>4/5/2015</a:t>
+              <a:t>4/6/2015</a:t>
             </a:fld>
             <a:endParaRPr lang="en-US" dirty="0"/>
           </a:p>
@@ -639,7 +649,7 @@
             <a:fld id="{B61BEF0D-F0BB-DE4B-95CE-6DB70DBA9567}" type="datetimeFigureOut">
               <a:rPr lang="en-US" dirty="0"/>
               <a:pPr/>
-              <a:t>4/5/2015</a:t>
+              <a:t>4/6/2015</a:t>
             </a:fld>
             <a:endParaRPr lang="en-US" dirty="0"/>
           </a:p>
@@ -1037,7 +1047,7 @@
             <a:fld id="{B61BEF0D-F0BB-DE4B-95CE-6DB70DBA9567}" type="datetimeFigureOut">
               <a:rPr lang="en-US" dirty="0"/>
               <a:pPr/>
-              <a:t>4/5/2015</a:t>
+              <a:t>4/6/2015</a:t>
             </a:fld>
             <a:endParaRPr lang="en-US" dirty="0"/>
           </a:p>
@@ -1370,7 +1380,7 @@
             <a:fld id="{B61BEF0D-F0BB-DE4B-95CE-6DB70DBA9567}" type="datetimeFigureOut">
               <a:rPr lang="en-US" dirty="0"/>
               <a:pPr/>
-              <a:t>4/5/2015</a:t>
+              <a:t>4/6/2015</a:t>
             </a:fld>
             <a:endParaRPr lang="en-US" dirty="0"/>
           </a:p>
@@ -1687,7 +1697,7 @@
             <a:fld id="{B61BEF0D-F0BB-DE4B-95CE-6DB70DBA9567}" type="datetimeFigureOut">
               <a:rPr lang="en-US" dirty="0"/>
               <a:pPr/>
-              <a:t>4/5/2015</a:t>
+              <a:t>4/6/2015</a:t>
             </a:fld>
             <a:endParaRPr lang="en-US" dirty="0"/>
           </a:p>
@@ -2080,7 +2090,7 @@
             <a:fld id="{B61BEF0D-F0BB-DE4B-95CE-6DB70DBA9567}" type="datetimeFigureOut">
               <a:rPr lang="en-US" dirty="0"/>
               <a:pPr/>
-              <a:t>4/5/2015</a:t>
+              <a:t>4/6/2015</a:t>
             </a:fld>
             <a:endParaRPr lang="en-US" dirty="0"/>
           </a:p>
@@ -2334,7 +2344,7 @@
             <a:fld id="{B61BEF0D-F0BB-DE4B-95CE-6DB70DBA9567}" type="datetimeFigureOut">
               <a:rPr lang="en-US" dirty="0"/>
               <a:pPr/>
-              <a:t>4/5/2015</a:t>
+              <a:t>4/6/2015</a:t>
             </a:fld>
             <a:endParaRPr lang="en-US" dirty="0"/>
           </a:p>
@@ -2593,7 +2603,7 @@
             <a:fld id="{B61BEF0D-F0BB-DE4B-95CE-6DB70DBA9567}" type="datetimeFigureOut">
               <a:rPr lang="en-US" dirty="0"/>
               <a:pPr/>
-              <a:t>4/5/2015</a:t>
+              <a:t>4/6/2015</a:t>
             </a:fld>
             <a:endParaRPr lang="en-US" dirty="0"/>
           </a:p>
@@ -2852,7 +2862,7 @@
             <a:fld id="{B61BEF0D-F0BB-DE4B-95CE-6DB70DBA9567}" type="datetimeFigureOut">
               <a:rPr lang="en-US" dirty="0"/>
               <a:pPr/>
-              <a:t>4/5/2015</a:t>
+              <a:t>4/6/2015</a:t>
             </a:fld>
             <a:endParaRPr lang="en-US" dirty="0"/>
           </a:p>
@@ -3178,7 +3188,7 @@
             <a:fld id="{B61BEF0D-F0BB-DE4B-95CE-6DB70DBA9567}" type="datetimeFigureOut">
               <a:rPr lang="en-US" dirty="0"/>
               <a:pPr/>
-              <a:t>4/5/2015</a:t>
+              <a:t>4/6/2015</a:t>
             </a:fld>
             <a:endParaRPr lang="en-US" dirty="0"/>
           </a:p>
@@ -3498,7 +3508,7 @@
             <a:fld id="{B61BEF0D-F0BB-DE4B-95CE-6DB70DBA9567}" type="datetimeFigureOut">
               <a:rPr lang="en-US" dirty="0"/>
               <a:pPr/>
-              <a:t>4/5/2015</a:t>
+              <a:t>4/6/2015</a:t>
             </a:fld>
             <a:endParaRPr lang="en-US" dirty="0"/>
           </a:p>
@@ -3952,7 +3962,7 @@
             <a:fld id="{B61BEF0D-F0BB-DE4B-95CE-6DB70DBA9567}" type="datetimeFigureOut">
               <a:rPr lang="en-US" dirty="0"/>
               <a:pPr/>
-              <a:t>4/5/2015</a:t>
+              <a:t>4/6/2015</a:t>
             </a:fld>
             <a:endParaRPr lang="en-US" dirty="0"/>
           </a:p>
@@ -4154,7 +4164,7 @@
             <a:fld id="{B61BEF0D-F0BB-DE4B-95CE-6DB70DBA9567}" type="datetimeFigureOut">
               <a:rPr lang="en-US" dirty="0"/>
               <a:pPr/>
-              <a:t>4/5/2015</a:t>
+              <a:t>4/6/2015</a:t>
             </a:fld>
             <a:endParaRPr lang="en-US" dirty="0"/>
           </a:p>
@@ -4328,7 +4338,7 @@
             <a:fld id="{B61BEF0D-F0BB-DE4B-95CE-6DB70DBA9567}" type="datetimeFigureOut">
               <a:rPr lang="en-US" dirty="0"/>
               <a:pPr/>
-              <a:t>4/5/2015</a:t>
+              <a:t>4/6/2015</a:t>
             </a:fld>
             <a:endParaRPr lang="en-US" dirty="0"/>
           </a:p>
@@ -4658,7 +4668,7 @@
             <a:fld id="{B61BEF0D-F0BB-DE4B-95CE-6DB70DBA9567}" type="datetimeFigureOut">
               <a:rPr lang="en-US" dirty="0"/>
               <a:pPr/>
-              <a:t>4/5/2015</a:t>
+              <a:t>4/6/2015</a:t>
             </a:fld>
             <a:endParaRPr lang="en-US" dirty="0"/>
           </a:p>
@@ -5000,7 +5010,7 @@
             <a:fld id="{B61BEF0D-F0BB-DE4B-95CE-6DB70DBA9567}" type="datetimeFigureOut">
               <a:rPr lang="en-US" dirty="0"/>
               <a:pPr/>
-              <a:t>4/5/2015</a:t>
+              <a:t>4/6/2015</a:t>
             </a:fld>
             <a:endParaRPr lang="en-US" dirty="0"/>
           </a:p>
@@ -7114,7 +7124,7 @@
             <a:fld id="{B61BEF0D-F0BB-DE4B-95CE-6DB70DBA9567}" type="datetimeFigureOut">
               <a:rPr lang="en-US" dirty="0"/>
               <a:pPr/>
-              <a:t>4/5/2015</a:t>
+              <a:t>4/6/2015</a:t>
             </a:fld>
             <a:endParaRPr lang="en-US" dirty="0"/>
           </a:p>
@@ -7762,1578 +7772,7 @@
 </p:sld>
 </file>
 
-<file path=ppt/slides/slide2.xml><?xml version="1.0" encoding="utf-8"?>
-<p:sld xmlns:a="http://schemas.openxmlformats.org/drawingml/2006/main" xmlns:r="http://schemas.openxmlformats.org/officeDocument/2006/relationships" xmlns:p="http://schemas.openxmlformats.org/presentationml/2006/main">
-  <p:cSld>
-    <p:spTree>
-      <p:nvGrpSpPr>
-        <p:cNvPr id="1" name=""/>
-        <p:cNvGrpSpPr/>
-        <p:nvPr/>
-      </p:nvGrpSpPr>
-      <p:grpSpPr>
-        <a:xfrm>
-          <a:off x="0" y="0"/>
-          <a:ext cx="0" cy="0"/>
-          <a:chOff x="0" y="0"/>
-          <a:chExt cx="0" cy="0"/>
-        </a:xfrm>
-      </p:grpSpPr>
-      <p:sp>
-        <p:nvSpPr>
-          <p:cNvPr id="2" name="Titre 1"/>
-          <p:cNvSpPr>
-            <a:spLocks noGrp="1"/>
-          </p:cNvSpPr>
-          <p:nvPr>
-            <p:ph type="title"/>
-          </p:nvPr>
-        </p:nvSpPr>
-        <p:spPr/>
-        <p:txBody>
-          <a:bodyPr/>
-          <a:lstStyle/>
-          <a:p>
-            <a:pPr algn="ctr"/>
-            <a:r>
-              <a:rPr lang="fr-FR" dirty="0" smtClean="0"/>
-              <a:t>Plan</a:t>
-            </a:r>
-            <a:endParaRPr lang="fr-FR" dirty="0"/>
-          </a:p>
-        </p:txBody>
-      </p:sp>
-      <p:sp>
-        <p:nvSpPr>
-          <p:cNvPr id="3" name="Espace réservé du contenu 2"/>
-          <p:cNvSpPr>
-            <a:spLocks noGrp="1"/>
-          </p:cNvSpPr>
-          <p:nvPr>
-            <p:ph idx="1"/>
-          </p:nvPr>
-        </p:nvSpPr>
-        <p:spPr/>
-        <p:txBody>
-          <a:bodyPr/>
-          <a:lstStyle/>
-          <a:p>
-            <a:r>
-              <a:rPr lang="fr-FR" dirty="0" err="1" smtClean="0"/>
-              <a:t>Enigma</a:t>
-            </a:r>
-            <a:r>
-              <a:rPr lang="fr-FR" dirty="0" smtClean="0"/>
-              <a:t>: Machine de cryptage</a:t>
-            </a:r>
-          </a:p>
-          <a:p>
-            <a:pPr lvl="1"/>
-            <a:r>
-              <a:rPr lang="fr-FR" dirty="0" smtClean="0"/>
-              <a:t>Les rotors</a:t>
-            </a:r>
-          </a:p>
-          <a:p>
-            <a:pPr lvl="1"/>
-            <a:r>
-              <a:rPr lang="fr-FR" dirty="0" smtClean="0"/>
-              <a:t>Le </a:t>
-            </a:r>
-            <a:r>
-              <a:rPr lang="fr-FR" dirty="0" err="1" smtClean="0"/>
-              <a:t>plugboard</a:t>
-            </a:r>
-            <a:endParaRPr lang="fr-FR" dirty="0" smtClean="0"/>
-          </a:p>
-          <a:p>
-            <a:pPr lvl="1"/>
-            <a:r>
-              <a:rPr lang="fr-FR" dirty="0" smtClean="0"/>
-              <a:t>Le réflecteur</a:t>
-            </a:r>
-          </a:p>
-          <a:p>
-            <a:pPr marL="457200" lvl="1" indent="0">
-              <a:buNone/>
-            </a:pPr>
-            <a:endParaRPr lang="fr-FR" dirty="0" smtClean="0"/>
-          </a:p>
-          <a:p>
-            <a:r>
-              <a:rPr lang="fr-FR" dirty="0" err="1"/>
-              <a:t>Enigma</a:t>
-            </a:r>
-            <a:r>
-              <a:rPr lang="fr-FR" dirty="0"/>
-              <a:t>: </a:t>
-            </a:r>
-            <a:r>
-              <a:rPr lang="fr-FR" dirty="0" smtClean="0"/>
-              <a:t>Simulation informatique</a:t>
-            </a:r>
-            <a:endParaRPr lang="fr-FR" dirty="0"/>
-          </a:p>
-          <a:p>
-            <a:pPr lvl="1"/>
-            <a:r>
-              <a:rPr lang="fr-FR" dirty="0" smtClean="0"/>
-              <a:t>Organisation du projet</a:t>
-            </a:r>
-            <a:endParaRPr lang="fr-FR" dirty="0"/>
-          </a:p>
-          <a:p>
-            <a:pPr lvl="1"/>
-            <a:r>
-              <a:rPr lang="fr-FR" dirty="0" smtClean="0"/>
-              <a:t>Logique de fonctionnement</a:t>
-            </a:r>
-            <a:endParaRPr lang="fr-FR" dirty="0"/>
-          </a:p>
-          <a:p>
-            <a:pPr lvl="1"/>
-            <a:r>
-              <a:rPr lang="fr-FR" dirty="0" smtClean="0"/>
-              <a:t>Difficultés et solutions retenues</a:t>
-            </a:r>
-          </a:p>
-          <a:p>
-            <a:pPr marL="457200" lvl="1" indent="0">
-              <a:buNone/>
-            </a:pPr>
-            <a:endParaRPr lang="fr-FR" dirty="0"/>
-          </a:p>
-          <a:p>
-            <a:pPr marL="457200" lvl="1" indent="0">
-              <a:buNone/>
-            </a:pPr>
-            <a:endParaRPr lang="fr-FR" dirty="0"/>
-          </a:p>
-          <a:p>
-            <a:pPr marL="457200" lvl="1" indent="0">
-              <a:buNone/>
-            </a:pPr>
-            <a:endParaRPr lang="fr-FR" dirty="0"/>
-          </a:p>
-        </p:txBody>
-      </p:sp>
-    </p:spTree>
-    <p:extLst>
-      <p:ext uri="{BB962C8B-B14F-4D97-AF65-F5344CB8AC3E}">
-        <p14:creationId xmlns:p14="http://schemas.microsoft.com/office/powerpoint/2010/main" val="3549545995"/>
-      </p:ext>
-    </p:extLst>
-  </p:cSld>
-  <p:clrMapOvr>
-    <a:masterClrMapping/>
-  </p:clrMapOvr>
-  <p:timing>
-    <p:tnLst>
-      <p:par>
-        <p:cTn id="1" dur="indefinite" restart="never" nodeType="tmRoot"/>
-      </p:par>
-    </p:tnLst>
-  </p:timing>
-</p:sld>
-</file>
-
-<file path=ppt/slides/slide3.xml><?xml version="1.0" encoding="utf-8"?>
-<p:sld xmlns:a="http://schemas.openxmlformats.org/drawingml/2006/main" xmlns:r="http://schemas.openxmlformats.org/officeDocument/2006/relationships" xmlns:p="http://schemas.openxmlformats.org/presentationml/2006/main">
-  <p:cSld>
-    <p:spTree>
-      <p:nvGrpSpPr>
-        <p:cNvPr id="1" name=""/>
-        <p:cNvGrpSpPr/>
-        <p:nvPr/>
-      </p:nvGrpSpPr>
-      <p:grpSpPr>
-        <a:xfrm>
-          <a:off x="0" y="0"/>
-          <a:ext cx="0" cy="0"/>
-          <a:chOff x="0" y="0"/>
-          <a:chExt cx="0" cy="0"/>
-        </a:xfrm>
-      </p:grpSpPr>
-      <p:sp>
-        <p:nvSpPr>
-          <p:cNvPr id="2" name="Titre 1"/>
-          <p:cNvSpPr>
-            <a:spLocks noGrp="1"/>
-          </p:cNvSpPr>
-          <p:nvPr>
-            <p:ph type="title"/>
-          </p:nvPr>
-        </p:nvSpPr>
-        <p:spPr/>
-        <p:txBody>
-          <a:bodyPr/>
-          <a:lstStyle/>
-          <a:p>
-            <a:pPr algn="ctr"/>
-            <a:r>
-              <a:rPr lang="fr-FR" dirty="0" smtClean="0"/>
-              <a:t>Les rotors</a:t>
-            </a:r>
-            <a:endParaRPr lang="fr-FR" dirty="0"/>
-          </a:p>
-        </p:txBody>
-      </p:sp>
-      <p:pic>
-        <p:nvPicPr>
-          <p:cNvPr id="4" name="Espace réservé du contenu 3"/>
-          <p:cNvPicPr>
-            <a:picLocks noGrp="1" noChangeAspect="1"/>
-          </p:cNvPicPr>
-          <p:nvPr>
-            <p:ph idx="1"/>
-          </p:nvPr>
-        </p:nvPicPr>
-        <p:blipFill>
-          <a:blip r:embed="rId2"/>
-          <a:stretch>
-            <a:fillRect/>
-          </a:stretch>
-        </p:blipFill>
-        <p:spPr>
-          <a:xfrm>
-            <a:off x="2761890" y="1905000"/>
-            <a:ext cx="2129760" cy="1927800"/>
-          </a:xfrm>
-          <a:prstGeom prst="rect">
-            <a:avLst/>
-          </a:prstGeom>
-        </p:spPr>
-      </p:pic>
-      <p:sp>
-        <p:nvSpPr>
-          <p:cNvPr id="5" name="ZoneTexte 4"/>
-          <p:cNvSpPr txBox="1"/>
-          <p:nvPr/>
-        </p:nvSpPr>
-        <p:spPr>
-          <a:xfrm>
-            <a:off x="5026155" y="1905000"/>
-            <a:ext cx="6095732" cy="2585323"/>
-          </a:xfrm>
-          <a:prstGeom prst="rect">
-            <a:avLst/>
-          </a:prstGeom>
-          <a:noFill/>
-        </p:spPr>
-        <p:txBody>
-          <a:bodyPr wrap="square" rtlCol="0">
-            <a:spAutoFit/>
-          </a:bodyPr>
-          <a:lstStyle/>
-          <a:p>
-            <a:r>
-              <a:rPr lang="fr-FR" dirty="0" smtClean="0"/>
-              <a:t>● Au nombre de trois </a:t>
-            </a:r>
-            <a:r>
-              <a:rPr lang="fr-FR" dirty="0" err="1" smtClean="0"/>
-              <a:t>parmis</a:t>
-            </a:r>
-            <a:r>
-              <a:rPr lang="fr-FR" dirty="0" smtClean="0"/>
-              <a:t> 5</a:t>
-            </a:r>
-          </a:p>
-          <a:p>
-            <a:r>
-              <a:rPr lang="fr-FR" dirty="0"/>
-              <a:t>● </a:t>
-            </a:r>
-            <a:r>
-              <a:rPr lang="fr-FR" dirty="0" smtClean="0"/>
-              <a:t>Forme cylindrique et fixé sur un axe où ils peuvent tourner</a:t>
-            </a:r>
-          </a:p>
-          <a:p>
-            <a:r>
-              <a:rPr lang="fr-FR" dirty="0"/>
-              <a:t>● Forme cylindrique et fixé sur un axe où ils peuvent tourner</a:t>
-            </a:r>
-          </a:p>
-          <a:p>
-            <a:r>
-              <a:rPr lang="fr-FR" dirty="0"/>
-              <a:t>● </a:t>
-            </a:r>
-            <a:r>
-              <a:rPr lang="fr-FR" dirty="0" smtClean="0"/>
-              <a:t>Une lettre ne sera pas cryptée deux fois par la même lettre</a:t>
-            </a:r>
-            <a:endParaRPr lang="fr-FR" dirty="0"/>
-          </a:p>
-          <a:p>
-            <a:endParaRPr lang="fr-FR" dirty="0"/>
-          </a:p>
-          <a:p>
-            <a:endParaRPr lang="fr-FR" dirty="0"/>
-          </a:p>
-        </p:txBody>
-      </p:sp>
-      <mc:AlternateContent xmlns:mc="http://schemas.openxmlformats.org/markup-compatibility/2006">
-        <mc:Choice xmlns:a14="http://schemas.microsoft.com/office/drawing/2010/main" Requires="a14">
-          <p:sp>
-            <p:nvSpPr>
-              <p:cNvPr id="6" name="ZoneTexte 5"/>
-              <p:cNvSpPr txBox="1"/>
-              <p:nvPr/>
-            </p:nvSpPr>
-            <p:spPr>
-              <a:xfrm>
-                <a:off x="3884678" y="4819262"/>
-                <a:ext cx="4189343" cy="1384995"/>
-              </a:xfrm>
-              <a:prstGeom prst="rect">
-                <a:avLst/>
-              </a:prstGeom>
-              <a:noFill/>
-            </p:spPr>
-            <p:txBody>
-              <a:bodyPr wrap="square" lIns="0" tIns="0" rIns="0" bIns="0" rtlCol="0">
-                <a:spAutoFit/>
-              </a:bodyPr>
-              <a:lstStyle/>
-              <a:p>
-                <a:endParaRPr lang="fr-FR" dirty="0"/>
-              </a:p>
-              <a:p>
-                <a14:m>
-                  <m:oMathPara xmlns:m="http://schemas.openxmlformats.org/officeDocument/2006/math">
-                    <m:oMathParaPr>
-                      <m:jc m:val="centerGroup"/>
-                    </m:oMathParaPr>
-                    <m:oMath xmlns:m="http://schemas.openxmlformats.org/officeDocument/2006/math">
-                      <m:r>
-                        <m:rPr>
-                          <m:nor/>
-                        </m:rPr>
-                        <a:rPr lang="fr-FR" sz="2400"/>
-                        <m:t>5∗4∗3 =60 263=17 576 </m:t>
-                      </m:r>
-                    </m:oMath>
-                  </m:oMathPara>
-                </a14:m>
-                <a:endParaRPr lang="fr-FR" sz="2400" dirty="0"/>
-              </a:p>
-              <a:p>
-                <a:r>
-                  <a:rPr lang="fr-FR" sz="2400" dirty="0" smtClean="0"/>
-                  <a:t>		26</a:t>
-                </a:r>
-                <a:r>
-                  <a:rPr lang="fr-FR" sz="2400" baseline="30000" dirty="0" smtClean="0"/>
-                  <a:t>3</a:t>
-                </a:r>
-                <a:r>
-                  <a:rPr lang="fr-FR" sz="2400" dirty="0" smtClean="0"/>
-                  <a:t>=17 </a:t>
-                </a:r>
-                <a:r>
-                  <a:rPr lang="fr-FR" sz="2400" dirty="0"/>
-                  <a:t>576 </a:t>
-                </a:r>
-              </a:p>
-              <a:p>
-                <a14:m>
-                  <m:oMathPara xmlns:m="http://schemas.openxmlformats.org/officeDocument/2006/math">
-                    <m:oMathParaPr>
-                      <m:jc m:val="centerGroup"/>
-                    </m:oMathParaPr>
-                    <m:oMath xmlns:m="http://schemas.openxmlformats.org/officeDocument/2006/math">
-                      <m:r>
-                        <m:rPr>
-                          <m:nor/>
-                        </m:rPr>
-                        <a:rPr lang="fr-FR" sz="2400"/>
-                        <m:t>Soit</m:t>
-                      </m:r>
-                      <m:r>
-                        <m:rPr>
-                          <m:nor/>
-                        </m:rPr>
-                        <a:rPr lang="fr-FR" sz="2400"/>
-                        <m:t> : 60∗17 576= 1 054 560</m:t>
-                      </m:r>
-                    </m:oMath>
-                  </m:oMathPara>
-                </a14:m>
-                <a:endParaRPr lang="fr-FR" sz="2400" dirty="0"/>
-              </a:p>
-            </p:txBody>
-          </p:sp>
-        </mc:Choice>
-        <mc:Fallback>
-          <p:sp>
-            <p:nvSpPr>
-              <p:cNvPr id="6" name="ZoneTexte 5"/>
-              <p:cNvSpPr txBox="1">
-                <a:spLocks noRot="1" noChangeAspect="1" noMove="1" noResize="1" noEditPoints="1" noAdjustHandles="1" noChangeArrowheads="1" noChangeShapeType="1" noTextEdit="1"/>
-              </p:cNvSpPr>
-              <p:nvPr/>
-            </p:nvSpPr>
-            <p:spPr>
-              <a:xfrm>
-                <a:off x="3884678" y="4819262"/>
-                <a:ext cx="4189343" cy="1384995"/>
-              </a:xfrm>
-              <a:prstGeom prst="rect">
-                <a:avLst/>
-              </a:prstGeom>
-              <a:blipFill rotWithShape="0">
-                <a:blip r:embed="rId3"/>
-                <a:stretch>
-                  <a:fillRect b="-3084"/>
-                </a:stretch>
-              </a:blipFill>
-            </p:spPr>
-            <p:txBody>
-              <a:bodyPr/>
-              <a:lstStyle/>
-              <a:p>
-                <a:r>
-                  <a:rPr lang="fr-FR">
-                    <a:noFill/>
-                  </a:rPr>
-                  <a:t> </a:t>
-                </a:r>
-              </a:p>
-            </p:txBody>
-          </p:sp>
-        </mc:Fallback>
-      </mc:AlternateContent>
-      <p:sp>
-        <p:nvSpPr>
-          <p:cNvPr id="8" name="ZoneTexte 7"/>
-          <p:cNvSpPr txBox="1"/>
-          <p:nvPr/>
-        </p:nvSpPr>
-        <p:spPr>
-          <a:xfrm>
-            <a:off x="4522304" y="4345937"/>
-            <a:ext cx="3756991" cy="369332"/>
-          </a:xfrm>
-          <a:prstGeom prst="rect">
-            <a:avLst/>
-          </a:prstGeom>
-          <a:noFill/>
-        </p:spPr>
-        <p:txBody>
-          <a:bodyPr wrap="square" rtlCol="0">
-            <a:spAutoFit/>
-          </a:bodyPr>
-          <a:lstStyle/>
-          <a:p>
-            <a:r>
-              <a:rPr lang="fr-FR" dirty="0" smtClean="0"/>
-              <a:t>Nombre de possibilités:</a:t>
-            </a:r>
-            <a:endParaRPr lang="fr-FR" dirty="0"/>
-          </a:p>
-        </p:txBody>
-      </p:sp>
-    </p:spTree>
-    <p:extLst>
-      <p:ext uri="{BB962C8B-B14F-4D97-AF65-F5344CB8AC3E}">
-        <p14:creationId xmlns:p14="http://schemas.microsoft.com/office/powerpoint/2010/main" val="3565193875"/>
-      </p:ext>
-    </p:extLst>
-  </p:cSld>
-  <p:clrMapOvr>
-    <a:masterClrMapping/>
-  </p:clrMapOvr>
-  <p:timing>
-    <p:tnLst>
-      <p:par>
-        <p:cTn id="1" dur="indefinite" restart="never" nodeType="tmRoot"/>
-      </p:par>
-    </p:tnLst>
-  </p:timing>
-</p:sld>
-</file>
-
-<file path=ppt/slides/slide4.xml><?xml version="1.0" encoding="utf-8"?>
-<p:sld xmlns:a="http://schemas.openxmlformats.org/drawingml/2006/main" xmlns:r="http://schemas.openxmlformats.org/officeDocument/2006/relationships" xmlns:p="http://schemas.openxmlformats.org/presentationml/2006/main">
-  <p:cSld>
-    <p:spTree>
-      <p:nvGrpSpPr>
-        <p:cNvPr id="1" name=""/>
-        <p:cNvGrpSpPr/>
-        <p:nvPr/>
-      </p:nvGrpSpPr>
-      <p:grpSpPr>
-        <a:xfrm>
-          <a:off x="0" y="0"/>
-          <a:ext cx="0" cy="0"/>
-          <a:chOff x="0" y="0"/>
-          <a:chExt cx="0" cy="0"/>
-        </a:xfrm>
-      </p:grpSpPr>
-      <p:sp>
-        <p:nvSpPr>
-          <p:cNvPr id="2" name="Titre 1"/>
-          <p:cNvSpPr>
-            <a:spLocks noGrp="1"/>
-          </p:cNvSpPr>
-          <p:nvPr>
-            <p:ph type="title"/>
-          </p:nvPr>
-        </p:nvSpPr>
-        <p:spPr/>
-        <p:txBody>
-          <a:bodyPr/>
-          <a:lstStyle/>
-          <a:p>
-            <a:pPr algn="ctr"/>
-            <a:r>
-              <a:rPr lang="fr-FR" dirty="0" smtClean="0"/>
-              <a:t>Le </a:t>
-            </a:r>
-            <a:r>
-              <a:rPr lang="fr-FR" dirty="0" err="1" smtClean="0"/>
-              <a:t>Plugboard</a:t>
-            </a:r>
-            <a:endParaRPr lang="fr-FR" dirty="0"/>
-          </a:p>
-        </p:txBody>
-      </p:sp>
-      <p:pic>
-        <p:nvPicPr>
-          <p:cNvPr id="5" name="Espace réservé du contenu 4"/>
-          <p:cNvPicPr>
-            <a:picLocks noGrp="1" noChangeAspect="1"/>
-          </p:cNvPicPr>
-          <p:nvPr>
-            <p:ph idx="1"/>
-          </p:nvPr>
-        </p:nvPicPr>
-        <p:blipFill>
-          <a:blip r:embed="rId2"/>
-          <a:stretch>
-            <a:fillRect/>
-          </a:stretch>
-        </p:blipFill>
-        <p:spPr>
-          <a:xfrm>
-            <a:off x="2312130" y="1905000"/>
-            <a:ext cx="2876096" cy="1949354"/>
-          </a:xfrm>
-          <a:prstGeom prst="rect">
-            <a:avLst/>
-          </a:prstGeom>
-        </p:spPr>
-      </p:pic>
-      <p:sp>
-        <p:nvSpPr>
-          <p:cNvPr id="6" name="ZoneTexte 5"/>
-          <p:cNvSpPr txBox="1"/>
-          <p:nvPr/>
-        </p:nvSpPr>
-        <p:spPr>
-          <a:xfrm>
-            <a:off x="5572807" y="2021419"/>
-            <a:ext cx="6095732" cy="1477328"/>
-          </a:xfrm>
-          <a:prstGeom prst="rect">
-            <a:avLst/>
-          </a:prstGeom>
-          <a:noFill/>
-        </p:spPr>
-        <p:txBody>
-          <a:bodyPr wrap="square" rtlCol="0">
-            <a:spAutoFit/>
-          </a:bodyPr>
-          <a:lstStyle/>
-          <a:p>
-            <a:r>
-              <a:rPr lang="fr-FR" dirty="0" smtClean="0"/>
-              <a:t>● Tableau de connexion situé devant la machine</a:t>
-            </a:r>
-          </a:p>
-          <a:p>
-            <a:r>
-              <a:rPr lang="fr-FR" dirty="0"/>
-              <a:t>● </a:t>
-            </a:r>
-            <a:r>
-              <a:rPr lang="fr-FR" dirty="0" smtClean="0"/>
-              <a:t>Permet de permuter deux lettres entre elles</a:t>
-            </a:r>
-            <a:endParaRPr lang="fr-FR" dirty="0"/>
-          </a:p>
-          <a:p>
-            <a:r>
-              <a:rPr lang="fr-FR" dirty="0"/>
-              <a:t>● </a:t>
-            </a:r>
-            <a:r>
-              <a:rPr lang="fr-FR" dirty="0" smtClean="0"/>
-              <a:t>Il offre le plus de possibilité de cryptage</a:t>
-            </a:r>
-            <a:endParaRPr lang="fr-FR" dirty="0"/>
-          </a:p>
-          <a:p>
-            <a:endParaRPr lang="fr-FR" dirty="0"/>
-          </a:p>
-          <a:p>
-            <a:endParaRPr lang="fr-FR" dirty="0"/>
-          </a:p>
-        </p:txBody>
-      </p:sp>
-      <mc:AlternateContent xmlns:mc="http://schemas.openxmlformats.org/markup-compatibility/2006">
-        <mc:Choice xmlns:a14="http://schemas.microsoft.com/office/drawing/2010/main" Requires="a14">
-          <p:sp>
-            <p:nvSpPr>
-              <p:cNvPr id="8" name="Rectangle 7"/>
-              <p:cNvSpPr/>
-              <p:nvPr/>
-            </p:nvSpPr>
-            <p:spPr>
-              <a:xfrm>
-                <a:off x="2312130" y="5085266"/>
-                <a:ext cx="1272913" cy="612732"/>
-              </a:xfrm>
-              <a:prstGeom prst="rect">
-                <a:avLst/>
-              </a:prstGeom>
-            </p:spPr>
-            <p:txBody>
-              <a:bodyPr wrap="none">
-                <a:spAutoFit/>
-              </a:bodyPr>
-              <a:lstStyle/>
-              <a:p>
-                <a14:m>
-                  <m:oMathPara xmlns:m="http://schemas.openxmlformats.org/officeDocument/2006/math">
-                    <m:oMathParaPr>
-                      <m:jc m:val="centerGroup"/>
-                    </m:oMathParaPr>
-                    <m:oMath xmlns:m="http://schemas.openxmlformats.org/officeDocument/2006/math">
-                      <m:f>
-                        <m:fPr>
-                          <m:ctrlPr>
-                            <a:rPr lang="fr-FR">
-                              <a:latin typeface="Cambria Math" panose="02040503050406030204" pitchFamily="18" charset="0"/>
-                            </a:rPr>
-                          </m:ctrlPr>
-                        </m:fPr>
-                        <m:num>
-                          <m:r>
-                            <a:rPr lang="fr-FR">
-                              <a:latin typeface="Cambria Math" panose="02040503050406030204" pitchFamily="18" charset="0"/>
-                            </a:rPr>
-                            <m:t>26</m:t>
-                          </m:r>
-                          <m:r>
-                            <a:rPr lang="fr-FR" i="0">
-                              <a:latin typeface="Cambria Math" panose="02040503050406030204" pitchFamily="18" charset="0"/>
-                            </a:rPr>
-                            <m:t> !</m:t>
-                          </m:r>
-                        </m:num>
-                        <m:den>
-                          <m:r>
-                            <a:rPr lang="fr-FR" i="0">
-                              <a:latin typeface="Cambria Math" panose="02040503050406030204" pitchFamily="18" charset="0"/>
-                            </a:rPr>
-                            <m:t>6 !10 !</m:t>
-                          </m:r>
-                          <m:sSup>
-                            <m:sSupPr>
-                              <m:ctrlPr>
-                                <a:rPr lang="fr-FR" i="1">
-                                  <a:latin typeface="Cambria Math" panose="02040503050406030204" pitchFamily="18" charset="0"/>
-                                </a:rPr>
-                              </m:ctrlPr>
-                            </m:sSupPr>
-                            <m:e>
-                              <m:r>
-                                <a:rPr lang="fr-FR" i="0">
-                                  <a:latin typeface="Cambria Math" panose="02040503050406030204" pitchFamily="18" charset="0"/>
-                                </a:rPr>
-                                <m:t>2</m:t>
-                              </m:r>
-                            </m:e>
-                            <m:sup>
-                              <m:r>
-                                <a:rPr lang="fr-FR" i="0">
-                                  <a:latin typeface="Cambria Math" panose="02040503050406030204" pitchFamily="18" charset="0"/>
-                                </a:rPr>
-                                <m:t>10</m:t>
-                              </m:r>
-                            </m:sup>
-                          </m:sSup>
-                        </m:den>
-                      </m:f>
-                    </m:oMath>
-                  </m:oMathPara>
-                </a14:m>
-                <a:endParaRPr lang="fr-FR" dirty="0"/>
-              </a:p>
-            </p:txBody>
-          </p:sp>
-        </mc:Choice>
-        <mc:Fallback>
-          <p:sp>
-            <p:nvSpPr>
-              <p:cNvPr id="8" name="Rectangle 7"/>
-              <p:cNvSpPr>
-                <a:spLocks noRot="1" noChangeAspect="1" noMove="1" noResize="1" noEditPoints="1" noAdjustHandles="1" noChangeArrowheads="1" noChangeShapeType="1" noTextEdit="1"/>
-              </p:cNvSpPr>
-              <p:nvPr/>
-            </p:nvSpPr>
-            <p:spPr>
-              <a:xfrm>
-                <a:off x="2312130" y="5085266"/>
-                <a:ext cx="1272913" cy="612732"/>
-              </a:xfrm>
-              <a:prstGeom prst="rect">
-                <a:avLst/>
-              </a:prstGeom>
-              <a:blipFill rotWithShape="0">
-                <a:blip r:embed="rId3"/>
-                <a:stretch>
-                  <a:fillRect/>
-                </a:stretch>
-              </a:blipFill>
-            </p:spPr>
-            <p:txBody>
-              <a:bodyPr/>
-              <a:lstStyle/>
-              <a:p>
-                <a:r>
-                  <a:rPr lang="fr-FR">
-                    <a:noFill/>
-                  </a:rPr>
-                  <a:t> </a:t>
-                </a:r>
-              </a:p>
-            </p:txBody>
-          </p:sp>
-        </mc:Fallback>
-      </mc:AlternateContent>
-      <p:sp>
-        <p:nvSpPr>
-          <p:cNvPr id="9" name="Rectangle 8"/>
-          <p:cNvSpPr/>
-          <p:nvPr/>
-        </p:nvSpPr>
-        <p:spPr>
-          <a:xfrm>
-            <a:off x="3468756" y="5191577"/>
-            <a:ext cx="2512226" cy="400110"/>
-          </a:xfrm>
-          <a:prstGeom prst="rect">
-            <a:avLst/>
-          </a:prstGeom>
-        </p:spPr>
-        <p:txBody>
-          <a:bodyPr wrap="none">
-            <a:spAutoFit/>
-          </a:bodyPr>
-          <a:lstStyle/>
-          <a:p>
-            <a:r>
-              <a:rPr lang="fr-FR" sz="2000" dirty="0">
-                <a:latin typeface="Cambria" panose="02040503050406030204" pitchFamily="18" charset="0"/>
-                <a:ea typeface="MS Mincho" panose="02020609040205080304" pitchFamily="49" charset="-128"/>
-                <a:cs typeface="Times New Roman" panose="02020603050405020304" pitchFamily="18" charset="0"/>
-              </a:rPr>
-              <a:t>= </a:t>
-            </a:r>
-            <a:r>
-              <a:rPr lang="fr-FR" dirty="0">
-                <a:latin typeface="Cambria" panose="02040503050406030204" pitchFamily="18" charset="0"/>
-                <a:ea typeface="MS Mincho" panose="02020609040205080304" pitchFamily="49" charset="-128"/>
-                <a:cs typeface="Times New Roman" panose="02020603050405020304" pitchFamily="18" charset="0"/>
-              </a:rPr>
-              <a:t>150 738 274 937 250</a:t>
-            </a:r>
-            <a:endParaRPr lang="fr-FR" dirty="0"/>
-          </a:p>
-        </p:txBody>
-      </p:sp>
-      <p:sp>
-        <p:nvSpPr>
-          <p:cNvPr id="10" name="ZoneTexte 9"/>
-          <p:cNvSpPr txBox="1"/>
-          <p:nvPr/>
-        </p:nvSpPr>
-        <p:spPr>
-          <a:xfrm>
-            <a:off x="2425149" y="4360732"/>
-            <a:ext cx="3309730" cy="646331"/>
-          </a:xfrm>
-          <a:prstGeom prst="rect">
-            <a:avLst/>
-          </a:prstGeom>
-          <a:noFill/>
-        </p:spPr>
-        <p:txBody>
-          <a:bodyPr wrap="square" rtlCol="0">
-            <a:spAutoFit/>
-          </a:bodyPr>
-          <a:lstStyle/>
-          <a:p>
-            <a:r>
-              <a:rPr lang="fr-FR" dirty="0" smtClean="0"/>
-              <a:t>Nombre de possibilités du </a:t>
-            </a:r>
-            <a:r>
-              <a:rPr lang="fr-FR" dirty="0" err="1" smtClean="0"/>
-              <a:t>plugboard</a:t>
-            </a:r>
-            <a:r>
-              <a:rPr lang="fr-FR" dirty="0" smtClean="0"/>
-              <a:t>:</a:t>
-            </a:r>
-            <a:endParaRPr lang="fr-FR" dirty="0"/>
-          </a:p>
-        </p:txBody>
-      </p:sp>
-      <p:sp>
-        <p:nvSpPr>
-          <p:cNvPr id="11" name="ZoneTexte 10"/>
-          <p:cNvSpPr txBox="1"/>
-          <p:nvPr/>
-        </p:nvSpPr>
-        <p:spPr>
-          <a:xfrm>
-            <a:off x="7358271" y="4360732"/>
-            <a:ext cx="3902764" cy="369332"/>
-          </a:xfrm>
-          <a:prstGeom prst="rect">
-            <a:avLst/>
-          </a:prstGeom>
-          <a:noFill/>
-        </p:spPr>
-        <p:txBody>
-          <a:bodyPr wrap="square" rtlCol="0">
-            <a:spAutoFit/>
-          </a:bodyPr>
-          <a:lstStyle/>
-          <a:p>
-            <a:r>
-              <a:rPr lang="fr-FR" dirty="0" smtClean="0"/>
-              <a:t>Nombre de possibilités totale:</a:t>
-            </a:r>
-            <a:endParaRPr lang="fr-FR" dirty="0"/>
-          </a:p>
-        </p:txBody>
-      </p:sp>
-      <mc:AlternateContent xmlns:mc="http://schemas.openxmlformats.org/markup-compatibility/2006">
-        <mc:Choice xmlns:a14="http://schemas.microsoft.com/office/drawing/2010/main" Requires="a14">
-          <p:sp>
-            <p:nvSpPr>
-              <p:cNvPr id="12" name="Rectangle 11"/>
-              <p:cNvSpPr/>
-              <p:nvPr/>
-            </p:nvSpPr>
-            <p:spPr>
-              <a:xfrm>
-                <a:off x="6261653" y="5007063"/>
-                <a:ext cx="6096000" cy="646331"/>
-              </a:xfrm>
-              <a:prstGeom prst="rect">
-                <a:avLst/>
-              </a:prstGeom>
-            </p:spPr>
-            <p:txBody>
-              <a:bodyPr>
-                <a:spAutoFit/>
-              </a:bodyPr>
-              <a:lstStyle/>
-              <a:p>
-                <a:pPr marR="295275" algn="ctr">
-                  <a:spcAft>
-                    <a:spcPts val="0"/>
-                  </a:spcAft>
-                </a:pPr>
-                <a14:m>
-                  <m:oMathPara xmlns:m="http://schemas.openxmlformats.org/officeDocument/2006/math">
-                    <m:oMathParaPr>
-                      <m:jc m:val="centerGroup"/>
-                    </m:oMathParaPr>
-                    <m:oMath xmlns:m="http://schemas.openxmlformats.org/officeDocument/2006/math">
-                      <m:r>
-                        <a:rPr lang="fr-FR" smtClean="0">
-                          <a:latin typeface="Cambria Math" panose="02040503050406030204" pitchFamily="18" charset="0"/>
-                          <a:ea typeface="MS Mincho" panose="02020609040205080304" pitchFamily="49" charset="-128"/>
-                          <a:cs typeface="Times New Roman" panose="02020603050405020304" pitchFamily="18" charset="0"/>
-                        </a:rPr>
-                        <m:t>150</m:t>
-                      </m:r>
-                      <m:r>
-                        <a:rPr lang="fr-FR" i="1">
-                          <a:effectLst/>
-                          <a:latin typeface="Cambria Math" panose="02040503050406030204" pitchFamily="18" charset="0"/>
-                          <a:ea typeface="MS Mincho" panose="02020609040205080304" pitchFamily="49" charset="-128"/>
-                          <a:cs typeface="Times New Roman" panose="02020603050405020304" pitchFamily="18" charset="0"/>
-                        </a:rPr>
-                        <m:t> </m:t>
-                      </m:r>
-                      <m:r>
-                        <a:rPr lang="fr-FR">
-                          <a:effectLst/>
-                          <a:latin typeface="Cambria Math" panose="02040503050406030204" pitchFamily="18" charset="0"/>
-                          <a:ea typeface="MS Mincho" panose="02020609040205080304" pitchFamily="49" charset="-128"/>
-                          <a:cs typeface="Times New Roman" panose="02020603050405020304" pitchFamily="18" charset="0"/>
-                        </a:rPr>
-                        <m:t>738</m:t>
-                      </m:r>
-                      <m:r>
-                        <a:rPr lang="fr-FR" i="1">
-                          <a:effectLst/>
-                          <a:latin typeface="Cambria Math" panose="02040503050406030204" pitchFamily="18" charset="0"/>
-                          <a:ea typeface="MS Mincho" panose="02020609040205080304" pitchFamily="49" charset="-128"/>
-                          <a:cs typeface="Times New Roman" panose="02020603050405020304" pitchFamily="18" charset="0"/>
-                        </a:rPr>
-                        <m:t> </m:t>
-                      </m:r>
-                      <m:r>
-                        <a:rPr lang="fr-FR">
-                          <a:effectLst/>
-                          <a:latin typeface="Cambria Math" panose="02040503050406030204" pitchFamily="18" charset="0"/>
-                          <a:ea typeface="MS Mincho" panose="02020609040205080304" pitchFamily="49" charset="-128"/>
-                          <a:cs typeface="Times New Roman" panose="02020603050405020304" pitchFamily="18" charset="0"/>
-                        </a:rPr>
-                        <m:t>274</m:t>
-                      </m:r>
-                      <m:r>
-                        <a:rPr lang="fr-FR" i="1">
-                          <a:effectLst/>
-                          <a:latin typeface="Cambria Math" panose="02040503050406030204" pitchFamily="18" charset="0"/>
-                          <a:ea typeface="MS Mincho" panose="02020609040205080304" pitchFamily="49" charset="-128"/>
-                          <a:cs typeface="Times New Roman" panose="02020603050405020304" pitchFamily="18" charset="0"/>
-                        </a:rPr>
-                        <m:t> </m:t>
-                      </m:r>
-                      <m:r>
-                        <a:rPr lang="fr-FR">
-                          <a:effectLst/>
-                          <a:latin typeface="Cambria Math" panose="02040503050406030204" pitchFamily="18" charset="0"/>
-                          <a:ea typeface="MS Mincho" panose="02020609040205080304" pitchFamily="49" charset="-128"/>
-                          <a:cs typeface="Times New Roman" panose="02020603050405020304" pitchFamily="18" charset="0"/>
-                        </a:rPr>
-                        <m:t>937</m:t>
-                      </m:r>
-                      <m:r>
-                        <a:rPr lang="fr-FR" i="1">
-                          <a:effectLst/>
-                          <a:latin typeface="Cambria Math" panose="02040503050406030204" pitchFamily="18" charset="0"/>
-                          <a:ea typeface="MS Mincho" panose="02020609040205080304" pitchFamily="49" charset="-128"/>
-                          <a:cs typeface="Times New Roman" panose="02020603050405020304" pitchFamily="18" charset="0"/>
-                        </a:rPr>
-                        <m:t> </m:t>
-                      </m:r>
-                      <m:r>
-                        <a:rPr lang="fr-FR">
-                          <a:effectLst/>
-                          <a:latin typeface="Cambria Math" panose="02040503050406030204" pitchFamily="18" charset="0"/>
-                          <a:ea typeface="MS Mincho" panose="02020609040205080304" pitchFamily="49" charset="-128"/>
-                          <a:cs typeface="Times New Roman" panose="02020603050405020304" pitchFamily="18" charset="0"/>
-                        </a:rPr>
-                        <m:t>250</m:t>
-                      </m:r>
-                      <m:r>
-                        <a:rPr lang="fr-FR" i="1">
-                          <a:effectLst/>
-                          <a:latin typeface="Cambria Math" panose="02040503050406030204" pitchFamily="18" charset="0"/>
-                          <a:ea typeface="MS Mincho" panose="02020609040205080304" pitchFamily="49" charset="-128"/>
-                          <a:cs typeface="Times New Roman" panose="02020603050405020304" pitchFamily="18" charset="0"/>
-                        </a:rPr>
-                        <m:t>∗1 054 560</m:t>
-                      </m:r>
-                    </m:oMath>
-                  </m:oMathPara>
-                </a14:m>
-                <a:endParaRPr lang="fr-FR" i="1" dirty="0" smtClean="0">
-                  <a:effectLst/>
-                  <a:latin typeface="Cambria Math" panose="02040503050406030204" pitchFamily="18" charset="0"/>
-                  <a:ea typeface="MS Mincho" panose="02020609040205080304" pitchFamily="49" charset="-128"/>
-                  <a:cs typeface="Times New Roman" panose="02020603050405020304" pitchFamily="18" charset="0"/>
-                </a:endParaRPr>
-              </a:p>
-              <a:p>
-                <a:pPr marR="295275" algn="ctr">
-                  <a:spcAft>
-                    <a:spcPts val="0"/>
-                  </a:spcAft>
-                </a:pPr>
-                <a14:m>
-                  <m:oMath xmlns:m="http://schemas.openxmlformats.org/officeDocument/2006/math">
-                    <m:r>
-                      <a:rPr lang="fr-FR" i="1">
-                        <a:effectLst/>
-                        <a:latin typeface="Cambria Math" panose="02040503050406030204" pitchFamily="18" charset="0"/>
-                        <a:ea typeface="MS Mincho" panose="02020609040205080304" pitchFamily="49" charset="-128"/>
-                        <a:cs typeface="Times New Roman" panose="02020603050405020304" pitchFamily="18" charset="0"/>
-                      </a:rPr>
-                      <m:t>= </m:t>
-                    </m:r>
-                  </m:oMath>
-                </a14:m>
-                <a:r>
-                  <a:rPr lang="fr-FR" dirty="0">
-                    <a:effectLst/>
-                    <a:latin typeface="Cambria" panose="02040503050406030204" pitchFamily="18" charset="0"/>
-                    <a:ea typeface="MS Mincho" panose="02020609040205080304" pitchFamily="49" charset="-128"/>
-                    <a:cs typeface="Times New Roman" panose="02020603050405020304" pitchFamily="18" charset="0"/>
-                  </a:rPr>
-                  <a:t>158 962 555 217 826 360 000</a:t>
-                </a:r>
-                <a:endParaRPr lang="fr-FR" sz="1600" dirty="0">
-                  <a:effectLst/>
-                  <a:latin typeface="Cambria" panose="02040503050406030204" pitchFamily="18" charset="0"/>
-                  <a:ea typeface="MS Mincho" panose="02020609040205080304" pitchFamily="49" charset="-128"/>
-                  <a:cs typeface="Times New Roman" panose="02020603050405020304" pitchFamily="18" charset="0"/>
-                </a:endParaRPr>
-              </a:p>
-            </p:txBody>
-          </p:sp>
-        </mc:Choice>
-        <mc:Fallback>
-          <p:sp>
-            <p:nvSpPr>
-              <p:cNvPr id="12" name="Rectangle 11"/>
-              <p:cNvSpPr>
-                <a:spLocks noRot="1" noChangeAspect="1" noMove="1" noResize="1" noEditPoints="1" noAdjustHandles="1" noChangeArrowheads="1" noChangeShapeType="1" noTextEdit="1"/>
-              </p:cNvSpPr>
-              <p:nvPr/>
-            </p:nvSpPr>
-            <p:spPr>
-              <a:xfrm>
-                <a:off x="6261653" y="5007063"/>
-                <a:ext cx="6096000" cy="646331"/>
-              </a:xfrm>
-              <a:prstGeom prst="rect">
-                <a:avLst/>
-              </a:prstGeom>
-              <a:blipFill rotWithShape="0">
-                <a:blip r:embed="rId4"/>
-                <a:stretch>
-                  <a:fillRect b="-13208"/>
-                </a:stretch>
-              </a:blipFill>
-            </p:spPr>
-            <p:txBody>
-              <a:bodyPr/>
-              <a:lstStyle/>
-              <a:p>
-                <a:r>
-                  <a:rPr lang="fr-FR">
-                    <a:noFill/>
-                  </a:rPr>
-                  <a:t> </a:t>
-                </a:r>
-              </a:p>
-            </p:txBody>
-          </p:sp>
-        </mc:Fallback>
-      </mc:AlternateContent>
-    </p:spTree>
-    <p:extLst>
-      <p:ext uri="{BB962C8B-B14F-4D97-AF65-F5344CB8AC3E}">
-        <p14:creationId xmlns:p14="http://schemas.microsoft.com/office/powerpoint/2010/main" val="3944690768"/>
-      </p:ext>
-    </p:extLst>
-  </p:cSld>
-  <p:clrMapOvr>
-    <a:masterClrMapping/>
-  </p:clrMapOvr>
-  <p:timing>
-    <p:tnLst>
-      <p:par>
-        <p:cTn id="1" dur="indefinite" restart="never" nodeType="tmRoot"/>
-      </p:par>
-    </p:tnLst>
-  </p:timing>
-</p:sld>
-</file>
-
-<file path=ppt/slides/slide5.xml><?xml version="1.0" encoding="utf-8"?>
-<p:sld xmlns:a="http://schemas.openxmlformats.org/drawingml/2006/main" xmlns:r="http://schemas.openxmlformats.org/officeDocument/2006/relationships" xmlns:p="http://schemas.openxmlformats.org/presentationml/2006/main">
-  <p:cSld>
-    <p:spTree>
-      <p:nvGrpSpPr>
-        <p:cNvPr id="1" name=""/>
-        <p:cNvGrpSpPr/>
-        <p:nvPr/>
-      </p:nvGrpSpPr>
-      <p:grpSpPr>
-        <a:xfrm>
-          <a:off x="0" y="0"/>
-          <a:ext cx="0" cy="0"/>
-          <a:chOff x="0" y="0"/>
-          <a:chExt cx="0" cy="0"/>
-        </a:xfrm>
-      </p:grpSpPr>
-      <p:sp>
-        <p:nvSpPr>
-          <p:cNvPr id="2" name="Titre 1"/>
-          <p:cNvSpPr>
-            <a:spLocks noGrp="1"/>
-          </p:cNvSpPr>
-          <p:nvPr>
-            <p:ph type="title"/>
-          </p:nvPr>
-        </p:nvSpPr>
-        <p:spPr/>
-        <p:txBody>
-          <a:bodyPr/>
-          <a:lstStyle/>
-          <a:p>
-            <a:pPr algn="ctr"/>
-            <a:r>
-              <a:rPr lang="fr-FR" dirty="0"/>
-              <a:t>Le </a:t>
-            </a:r>
-            <a:r>
-              <a:rPr lang="fr-FR" dirty="0" smtClean="0"/>
-              <a:t>réflecteur</a:t>
-            </a:r>
-            <a:endParaRPr lang="fr-FR" dirty="0"/>
-          </a:p>
-        </p:txBody>
-      </p:sp>
-      <p:pic>
-        <p:nvPicPr>
-          <p:cNvPr id="5" name="Espace réservé du contenu 4" descr="réflecteur"/>
-          <p:cNvPicPr>
-            <a:picLocks noGrp="1"/>
-          </p:cNvPicPr>
-          <p:nvPr>
-            <p:ph idx="1"/>
-          </p:nvPr>
-        </p:nvPicPr>
-        <p:blipFill>
-          <a:blip r:embed="rId2">
-            <a:extLst>
-              <a:ext uri="{28A0092B-C50C-407E-A947-70E740481C1C}">
-                <a14:useLocalDpi xmlns:a14="http://schemas.microsoft.com/office/drawing/2010/main" val="0"/>
-              </a:ext>
-            </a:extLst>
-          </a:blip>
-          <a:srcRect/>
-          <a:stretch>
-            <a:fillRect/>
-          </a:stretch>
-        </p:blipFill>
-        <p:spPr bwMode="auto">
-          <a:xfrm>
-            <a:off x="2592925" y="2223052"/>
-            <a:ext cx="1989014" cy="1978853"/>
-          </a:xfrm>
-          <a:prstGeom prst="rect">
-            <a:avLst/>
-          </a:prstGeom>
-          <a:noFill/>
-          <a:ln>
-            <a:noFill/>
-          </a:ln>
-        </p:spPr>
-      </p:pic>
-      <p:sp>
-        <p:nvSpPr>
-          <p:cNvPr id="6" name="ZoneTexte 5"/>
-          <p:cNvSpPr txBox="1"/>
-          <p:nvPr/>
-        </p:nvSpPr>
-        <p:spPr>
-          <a:xfrm>
-            <a:off x="4916824" y="1991602"/>
-            <a:ext cx="6095732" cy="3693319"/>
-          </a:xfrm>
-          <a:prstGeom prst="rect">
-            <a:avLst/>
-          </a:prstGeom>
-          <a:noFill/>
-        </p:spPr>
-        <p:txBody>
-          <a:bodyPr wrap="square" rtlCol="0">
-            <a:spAutoFit/>
-          </a:bodyPr>
-          <a:lstStyle/>
-          <a:p>
-            <a:r>
-              <a:rPr lang="fr-FR" dirty="0" smtClean="0"/>
-              <a:t>● Rend le cryptage réversible</a:t>
-            </a:r>
-          </a:p>
-          <a:p>
-            <a:r>
-              <a:rPr lang="fr-FR" dirty="0"/>
-              <a:t>● </a:t>
-            </a:r>
-            <a:r>
-              <a:rPr lang="fr-FR" dirty="0" smtClean="0"/>
-              <a:t>Plus besoin d’avoir une machine pour crypter et une autre pour décrypter</a:t>
-            </a:r>
-          </a:p>
-          <a:p>
-            <a:r>
-              <a:rPr lang="fr-FR" dirty="0"/>
-              <a:t>● </a:t>
-            </a:r>
-            <a:r>
-              <a:rPr lang="fr-FR" dirty="0" smtClean="0"/>
-              <a:t>« A » cryptée en « B » alors « B » sera décryptée en « A »</a:t>
-            </a:r>
-          </a:p>
-          <a:p>
-            <a:r>
-              <a:rPr lang="fr-FR" dirty="0"/>
-              <a:t>● </a:t>
-            </a:r>
-            <a:r>
-              <a:rPr lang="fr-FR" dirty="0" smtClean="0"/>
-              <a:t>Empêche alors toute lettre d’être cryptée par elle-même</a:t>
-            </a:r>
-          </a:p>
-          <a:p>
-            <a:r>
-              <a:rPr lang="fr-FR" dirty="0"/>
-              <a:t>● </a:t>
-            </a:r>
-            <a:r>
-              <a:rPr lang="fr-FR" dirty="0" smtClean="0"/>
-              <a:t>Ne rajoute pas de possibilités de cryptage</a:t>
-            </a:r>
-            <a:endParaRPr lang="fr-FR" dirty="0"/>
-          </a:p>
-          <a:p>
-            <a:endParaRPr lang="fr-FR" dirty="0"/>
-          </a:p>
-          <a:p>
-            <a:endParaRPr lang="fr-FR" dirty="0"/>
-          </a:p>
-          <a:p>
-            <a:endParaRPr lang="fr-FR" dirty="0"/>
-          </a:p>
-          <a:p>
-            <a:endParaRPr lang="fr-FR" dirty="0"/>
-          </a:p>
-          <a:p>
-            <a:endParaRPr lang="fr-FR" dirty="0"/>
-          </a:p>
-        </p:txBody>
-      </p:sp>
-    </p:spTree>
-    <p:extLst>
-      <p:ext uri="{BB962C8B-B14F-4D97-AF65-F5344CB8AC3E}">
-        <p14:creationId xmlns:p14="http://schemas.microsoft.com/office/powerpoint/2010/main" val="956231738"/>
-      </p:ext>
-    </p:extLst>
-  </p:cSld>
-  <p:clrMapOvr>
-    <a:masterClrMapping/>
-  </p:clrMapOvr>
-  <p:timing>
-    <p:tnLst>
-      <p:par>
-        <p:cTn id="1" dur="indefinite" restart="never" nodeType="tmRoot"/>
-      </p:par>
-    </p:tnLst>
-  </p:timing>
-</p:sld>
-</file>
-
-<file path=ppt/slides/slide6.xml><?xml version="1.0" encoding="utf-8"?>
-<p:sld xmlns:a="http://schemas.openxmlformats.org/drawingml/2006/main" xmlns:r="http://schemas.openxmlformats.org/officeDocument/2006/relationships" xmlns:p="http://schemas.openxmlformats.org/presentationml/2006/main">
-  <p:cSld>
-    <p:spTree>
-      <p:nvGrpSpPr>
-        <p:cNvPr id="1" name=""/>
-        <p:cNvGrpSpPr/>
-        <p:nvPr/>
-      </p:nvGrpSpPr>
-      <p:grpSpPr>
-        <a:xfrm>
-          <a:off x="0" y="0"/>
-          <a:ext cx="0" cy="0"/>
-          <a:chOff x="0" y="0"/>
-          <a:chExt cx="0" cy="0"/>
-        </a:xfrm>
-      </p:grpSpPr>
-      <p:sp>
-        <p:nvSpPr>
-          <p:cNvPr id="2" name="Titre 1"/>
-          <p:cNvSpPr>
-            <a:spLocks noGrp="1"/>
-          </p:cNvSpPr>
-          <p:nvPr>
-            <p:ph type="title"/>
-          </p:nvPr>
-        </p:nvSpPr>
-        <p:spPr/>
-        <p:txBody>
-          <a:bodyPr/>
-          <a:lstStyle/>
-          <a:p>
-            <a:pPr algn="ctr"/>
-            <a:r>
-              <a:rPr lang="fr-FR" dirty="0" smtClean="0"/>
-              <a:t>Organisation du projet</a:t>
-            </a:r>
-            <a:endParaRPr lang="fr-FR" dirty="0"/>
-          </a:p>
-        </p:txBody>
-      </p:sp>
-      <p:sp>
-        <p:nvSpPr>
-          <p:cNvPr id="4" name="ZoneTexte 3"/>
-          <p:cNvSpPr txBox="1"/>
-          <p:nvPr/>
-        </p:nvSpPr>
-        <p:spPr>
-          <a:xfrm>
-            <a:off x="2461859" y="1905000"/>
-            <a:ext cx="9186802" cy="2031325"/>
-          </a:xfrm>
-          <a:prstGeom prst="rect">
-            <a:avLst/>
-          </a:prstGeom>
-          <a:noFill/>
-        </p:spPr>
-        <p:txBody>
-          <a:bodyPr wrap="square" rtlCol="0">
-            <a:spAutoFit/>
-          </a:bodyPr>
-          <a:lstStyle/>
-          <a:p>
-            <a:r>
-              <a:rPr lang="fr-FR" dirty="0" smtClean="0"/>
-              <a:t>● Compréhension du sujet et du fonctionnement d’</a:t>
-            </a:r>
-            <a:r>
-              <a:rPr lang="fr-FR" dirty="0" err="1" smtClean="0"/>
-              <a:t>Enigma</a:t>
-            </a:r>
-            <a:endParaRPr lang="fr-FR" dirty="0" smtClean="0"/>
-          </a:p>
-          <a:p>
-            <a:r>
-              <a:rPr lang="fr-FR" dirty="0"/>
-              <a:t>● </a:t>
-            </a:r>
-            <a:r>
-              <a:rPr lang="fr-FR" dirty="0" smtClean="0"/>
-              <a:t>Mise en accord sur les différents outils (Java, MVC)</a:t>
-            </a:r>
-            <a:endParaRPr lang="fr-FR" dirty="0"/>
-          </a:p>
-          <a:p>
-            <a:r>
-              <a:rPr lang="fr-FR" dirty="0"/>
-              <a:t>● </a:t>
-            </a:r>
-            <a:r>
-              <a:rPr lang="fr-FR" dirty="0" smtClean="0"/>
-              <a:t>Création du diagramme de Gantt</a:t>
-            </a:r>
-            <a:endParaRPr lang="fr-FR" dirty="0"/>
-          </a:p>
-          <a:p>
-            <a:endParaRPr lang="fr-FR" dirty="0" smtClean="0"/>
-          </a:p>
-          <a:p>
-            <a:endParaRPr lang="fr-FR" dirty="0"/>
-          </a:p>
-          <a:p>
-            <a:endParaRPr lang="fr-FR" dirty="0"/>
-          </a:p>
-          <a:p>
-            <a:endParaRPr lang="fr-FR" dirty="0"/>
-          </a:p>
-        </p:txBody>
-      </p:sp>
-      <p:pic>
-        <p:nvPicPr>
-          <p:cNvPr id="6" name="Image 5" descr="http://answers.ea.com/t5/image/serverpage/image-id/10151i305CAFB28ED1CE16?v=mpbl-1"/>
-          <p:cNvPicPr/>
-          <p:nvPr/>
-        </p:nvPicPr>
-        <p:blipFill>
-          <a:blip r:embed="rId2">
-            <a:extLst>
-              <a:ext uri="{28A0092B-C50C-407E-A947-70E740481C1C}">
-                <a14:useLocalDpi xmlns:a14="http://schemas.microsoft.com/office/drawing/2010/main" val="0"/>
-              </a:ext>
-            </a:extLst>
-          </a:blip>
-          <a:srcRect/>
-          <a:stretch>
-            <a:fillRect/>
-          </a:stretch>
-        </p:blipFill>
-        <p:spPr bwMode="auto">
-          <a:xfrm>
-            <a:off x="9387543" y="1905000"/>
-            <a:ext cx="1085850" cy="1085850"/>
-          </a:xfrm>
-          <a:prstGeom prst="rect">
-            <a:avLst/>
-          </a:prstGeom>
-          <a:noFill/>
-          <a:ln>
-            <a:noFill/>
-          </a:ln>
-        </p:spPr>
-      </p:pic>
-      <p:sp>
-        <p:nvSpPr>
-          <p:cNvPr id="7" name="ZoneTexte 6"/>
-          <p:cNvSpPr txBox="1"/>
-          <p:nvPr/>
-        </p:nvSpPr>
-        <p:spPr>
-          <a:xfrm>
-            <a:off x="4091876" y="3578087"/>
-            <a:ext cx="9186802" cy="2862322"/>
-          </a:xfrm>
-          <a:prstGeom prst="rect">
-            <a:avLst/>
-          </a:prstGeom>
-          <a:noFill/>
-        </p:spPr>
-        <p:txBody>
-          <a:bodyPr wrap="square" rtlCol="0">
-            <a:spAutoFit/>
-          </a:bodyPr>
-          <a:lstStyle/>
-          <a:p>
-            <a:r>
-              <a:rPr lang="fr-FR" dirty="0" smtClean="0"/>
-              <a:t>● Conception UML</a:t>
-            </a:r>
-          </a:p>
-          <a:p>
-            <a:r>
-              <a:rPr lang="fr-FR" dirty="0" smtClean="0"/>
-              <a:t>● Répartition des tâches:</a:t>
-            </a:r>
-          </a:p>
-          <a:p>
-            <a:r>
-              <a:rPr lang="fr-FR" dirty="0"/>
-              <a:t>	</a:t>
-            </a:r>
-            <a:r>
-              <a:rPr lang="fr-FR" dirty="0" smtClean="0"/>
-              <a:t>- Model : cœur de l’application</a:t>
-            </a:r>
-          </a:p>
-          <a:p>
-            <a:r>
-              <a:rPr lang="fr-FR" dirty="0"/>
-              <a:t>	</a:t>
-            </a:r>
-            <a:r>
-              <a:rPr lang="fr-FR" dirty="0" smtClean="0"/>
-              <a:t>- </a:t>
-            </a:r>
-            <a:r>
-              <a:rPr lang="fr-FR" dirty="0" err="1" smtClean="0"/>
-              <a:t>View</a:t>
-            </a:r>
-            <a:r>
-              <a:rPr lang="fr-FR" dirty="0" smtClean="0"/>
-              <a:t> : interface utilisateur</a:t>
-            </a:r>
-          </a:p>
-          <a:p>
-            <a:r>
-              <a:rPr lang="fr-FR" dirty="0"/>
-              <a:t>	</a:t>
-            </a:r>
-            <a:r>
-              <a:rPr lang="fr-FR" dirty="0" smtClean="0"/>
-              <a:t>- Controller : </a:t>
-            </a:r>
-            <a:r>
-              <a:rPr lang="fr-FR" dirty="0" err="1" smtClean="0"/>
-              <a:t>verification</a:t>
-            </a:r>
-            <a:r>
-              <a:rPr lang="fr-FR" dirty="0" smtClean="0"/>
-              <a:t> des données saisies</a:t>
-            </a:r>
-            <a:endParaRPr lang="fr-FR" dirty="0"/>
-          </a:p>
-          <a:p>
-            <a:endParaRPr lang="fr-FR" dirty="0"/>
-          </a:p>
-          <a:p>
-            <a:endParaRPr lang="fr-FR" dirty="0" smtClean="0"/>
-          </a:p>
-          <a:p>
-            <a:endParaRPr lang="fr-FR" dirty="0"/>
-          </a:p>
-          <a:p>
-            <a:endParaRPr lang="fr-FR" dirty="0"/>
-          </a:p>
-          <a:p>
-            <a:endParaRPr lang="fr-FR" dirty="0"/>
-          </a:p>
-        </p:txBody>
-      </p:sp>
-      <p:pic>
-        <p:nvPicPr>
-          <p:cNvPr id="9" name="Image 8" descr="http://upload.wikimedia.org/wikipedia/fr/9/9a/Unified_Modeling_Language.jpg"/>
-          <p:cNvPicPr/>
-          <p:nvPr/>
-        </p:nvPicPr>
-        <p:blipFill>
-          <a:blip r:embed="rId3">
-            <a:extLst>
-              <a:ext uri="{28A0092B-C50C-407E-A947-70E740481C1C}">
-                <a14:useLocalDpi xmlns:a14="http://schemas.microsoft.com/office/drawing/2010/main" val="0"/>
-              </a:ext>
-            </a:extLst>
-          </a:blip>
-          <a:srcRect/>
-          <a:stretch>
-            <a:fillRect/>
-          </a:stretch>
-        </p:blipFill>
-        <p:spPr bwMode="auto">
-          <a:xfrm>
-            <a:off x="2384356" y="3578087"/>
-            <a:ext cx="1400175" cy="1057275"/>
-          </a:xfrm>
-          <a:prstGeom prst="rect">
-            <a:avLst/>
-          </a:prstGeom>
-          <a:noFill/>
-          <a:ln>
-            <a:noFill/>
-          </a:ln>
-        </p:spPr>
-      </p:pic>
-    </p:spTree>
-    <p:extLst>
-      <p:ext uri="{BB962C8B-B14F-4D97-AF65-F5344CB8AC3E}">
-        <p14:creationId xmlns:p14="http://schemas.microsoft.com/office/powerpoint/2010/main" val="2919109511"/>
-      </p:ext>
-    </p:extLst>
-  </p:cSld>
-  <p:clrMapOvr>
-    <a:masterClrMapping/>
-  </p:clrMapOvr>
-  <p:timing>
-    <p:tnLst>
-      <p:par>
-        <p:cTn id="1" dur="indefinite" restart="never" nodeType="tmRoot"/>
-      </p:par>
-    </p:tnLst>
-  </p:timing>
-</p:sld>
-</file>
-
-<file path=ppt/slides/slide7.xml><?xml version="1.0" encoding="utf-8"?>
+<file path=ppt/slides/slide10.xml><?xml version="1.0" encoding="utf-8"?>
 <p:sld xmlns:a="http://schemas.openxmlformats.org/drawingml/2006/main" xmlns:r="http://schemas.openxmlformats.org/officeDocument/2006/relationships" xmlns:p="http://schemas.openxmlformats.org/presentationml/2006/main">
   <p:cSld>
     <p:spTree>
@@ -9479,7 +7918,7 @@
 </p:sld>
 </file>
 
-<file path=ppt/slides/slide8.xml><?xml version="1.0" encoding="utf-8"?>
+<file path=ppt/slides/slide11.xml><?xml version="1.0" encoding="utf-8"?>
 <p:sld xmlns:a="http://schemas.openxmlformats.org/drawingml/2006/main" xmlns:r="http://schemas.openxmlformats.org/officeDocument/2006/relationships" xmlns:p="http://schemas.openxmlformats.org/presentationml/2006/main">
   <p:cSld>
     <p:spTree>
@@ -9514,7 +7953,15 @@
             <a:pPr algn="ctr"/>
             <a:r>
               <a:rPr lang="fr-FR" dirty="0" smtClean="0"/>
-              <a:t>Difficultés rencontrées et solution retenues</a:t>
+              <a:t>Difficultés rencontrées et </a:t>
+            </a:r>
+            <a:r>
+              <a:rPr lang="fr-FR" dirty="0" smtClean="0"/>
+              <a:t>solutions </a:t>
+            </a:r>
+            <a:r>
+              <a:rPr lang="fr-FR" dirty="0" smtClean="0"/>
+              <a:t>retenues</a:t>
             </a:r>
             <a:endParaRPr lang="fr-FR" dirty="0"/>
           </a:p>
@@ -9756,6 +8203,2571 @@
 </p:sld>
 </file>
 
+<file path=ppt/slides/slide12.xml><?xml version="1.0" encoding="utf-8"?>
+<p:sld xmlns:a="http://schemas.openxmlformats.org/drawingml/2006/main" xmlns:r="http://schemas.openxmlformats.org/officeDocument/2006/relationships" xmlns:p="http://schemas.openxmlformats.org/presentationml/2006/main">
+  <p:cSld>
+    <p:spTree>
+      <p:nvGrpSpPr>
+        <p:cNvPr id="1" name=""/>
+        <p:cNvGrpSpPr/>
+        <p:nvPr/>
+      </p:nvGrpSpPr>
+      <p:grpSpPr>
+        <a:xfrm>
+          <a:off x="0" y="0"/>
+          <a:ext cx="0" cy="0"/>
+          <a:chOff x="0" y="0"/>
+          <a:chExt cx="0" cy="0"/>
+        </a:xfrm>
+      </p:grpSpPr>
+      <p:sp>
+        <p:nvSpPr>
+          <p:cNvPr id="2" name="Titre 1"/>
+          <p:cNvSpPr>
+            <a:spLocks noGrp="1"/>
+          </p:cNvSpPr>
+          <p:nvPr>
+            <p:ph type="title"/>
+          </p:nvPr>
+        </p:nvSpPr>
+        <p:spPr/>
+        <p:txBody>
+          <a:bodyPr/>
+          <a:lstStyle/>
+          <a:p>
+            <a:pPr algn="ctr"/>
+            <a:r>
+              <a:rPr lang="fr-FR" dirty="0" smtClean="0"/>
+              <a:t>Dictionnaire</a:t>
+            </a:r>
+            <a:endParaRPr lang="fr-FR" dirty="0"/>
+          </a:p>
+        </p:txBody>
+      </p:sp>
+      <p:sp>
+        <p:nvSpPr>
+          <p:cNvPr id="4" name="Rectangle 3"/>
+          <p:cNvSpPr/>
+          <p:nvPr/>
+        </p:nvSpPr>
+        <p:spPr>
+          <a:xfrm>
+            <a:off x="5659216" y="1991929"/>
+            <a:ext cx="5845396" cy="4431983"/>
+          </a:xfrm>
+          <a:prstGeom prst="rect">
+            <a:avLst/>
+          </a:prstGeom>
+        </p:spPr>
+        <p:txBody>
+          <a:bodyPr wrap="square">
+            <a:spAutoFit/>
+          </a:bodyPr>
+          <a:lstStyle/>
+          <a:p>
+            <a:r>
+              <a:rPr lang="fr-FR" dirty="0" smtClean="0"/>
+              <a:t>● Dictionnaire : fichier texte de 600 mots les plus courant</a:t>
+            </a:r>
+          </a:p>
+          <a:p>
+            <a:r>
+              <a:rPr lang="fr-FR" dirty="0"/>
+              <a:t>● </a:t>
+            </a:r>
+            <a:r>
+              <a:rPr lang="fr-FR" dirty="0" smtClean="0"/>
+              <a:t>Crypte chaque mot 46</a:t>
+            </a:r>
+            <a:r>
+              <a:rPr lang="fr-FR" baseline="30000" dirty="0" smtClean="0"/>
+              <a:t>3</a:t>
+            </a:r>
+          </a:p>
+          <a:p>
+            <a:r>
+              <a:rPr lang="fr-FR" dirty="0" smtClean="0"/>
+              <a:t>●Cherche dans la chaine cryptée une correspondance</a:t>
+            </a:r>
+          </a:p>
+          <a:p>
+            <a:endParaRPr lang="fr-FR" dirty="0" smtClean="0"/>
+          </a:p>
+          <a:p>
+            <a:endParaRPr lang="fr-FR" dirty="0" smtClean="0"/>
+          </a:p>
+          <a:p>
+            <a:r>
+              <a:rPr lang="fr-FR" dirty="0"/>
+              <a:t>● </a:t>
+            </a:r>
+            <a:r>
+              <a:rPr lang="fr-FR" b="1" dirty="0" smtClean="0"/>
+              <a:t>Avantages</a:t>
+            </a:r>
+            <a:r>
+              <a:rPr lang="fr-FR" dirty="0" smtClean="0"/>
+              <a:t>: traite aussi bien un texte long que court</a:t>
+            </a:r>
+            <a:endParaRPr lang="fr-FR" dirty="0"/>
+          </a:p>
+          <a:p>
+            <a:endParaRPr lang="fr-FR" dirty="0" smtClean="0"/>
+          </a:p>
+          <a:p>
+            <a:r>
+              <a:rPr lang="fr-FR" dirty="0"/>
+              <a:t>● </a:t>
+            </a:r>
+            <a:r>
+              <a:rPr lang="fr-FR" b="1" dirty="0" smtClean="0"/>
+              <a:t>Limites</a:t>
+            </a:r>
+            <a:r>
+              <a:rPr lang="fr-FR" dirty="0" smtClean="0"/>
+              <a:t>: très coûteux en temps pour trouver la position des rotors. </a:t>
+            </a:r>
+          </a:p>
+          <a:p>
+            <a:r>
+              <a:rPr lang="fr-FR" dirty="0" smtClean="0"/>
+              <a:t>Au plus: 46</a:t>
+            </a:r>
+            <a:r>
+              <a:rPr lang="fr-FR" baseline="30000" dirty="0" smtClean="0"/>
+              <a:t>3</a:t>
+            </a:r>
+            <a:r>
+              <a:rPr lang="fr-FR" dirty="0" smtClean="0"/>
+              <a:t> * nombre de mots possibles</a:t>
+            </a:r>
+            <a:endParaRPr lang="fr-FR" baseline="30000" dirty="0"/>
+          </a:p>
+          <a:p>
+            <a:endParaRPr lang="fr-FR" baseline="30000" dirty="0"/>
+          </a:p>
+          <a:p>
+            <a:endParaRPr lang="fr-FR" dirty="0"/>
+          </a:p>
+          <a:p>
+            <a:r>
+              <a:rPr lang="fr-FR" dirty="0" smtClean="0"/>
+              <a:t> </a:t>
+            </a:r>
+          </a:p>
+        </p:txBody>
+      </p:sp>
+      <p:pic>
+        <p:nvPicPr>
+          <p:cNvPr id="5" name="Image 4"/>
+          <p:cNvPicPr>
+            <a:picLocks noChangeAspect="1"/>
+          </p:cNvPicPr>
+          <p:nvPr/>
+        </p:nvPicPr>
+        <p:blipFill>
+          <a:blip r:embed="rId2"/>
+          <a:stretch>
+            <a:fillRect/>
+          </a:stretch>
+        </p:blipFill>
+        <p:spPr>
+          <a:xfrm>
+            <a:off x="2454966" y="1991929"/>
+            <a:ext cx="2689927" cy="3864032"/>
+          </a:xfrm>
+          <a:prstGeom prst="rect">
+            <a:avLst/>
+          </a:prstGeom>
+        </p:spPr>
+      </p:pic>
+    </p:spTree>
+    <p:extLst>
+      <p:ext uri="{BB962C8B-B14F-4D97-AF65-F5344CB8AC3E}">
+        <p14:creationId xmlns:p14="http://schemas.microsoft.com/office/powerpoint/2010/main" val="3957851729"/>
+      </p:ext>
+    </p:extLst>
+  </p:cSld>
+  <p:clrMapOvr>
+    <a:masterClrMapping/>
+  </p:clrMapOvr>
+</p:sld>
+</file>
+
+<file path=ppt/slides/slide13.xml><?xml version="1.0" encoding="utf-8"?>
+<p:sld xmlns:a="http://schemas.openxmlformats.org/drawingml/2006/main" xmlns:r="http://schemas.openxmlformats.org/officeDocument/2006/relationships" xmlns:p="http://schemas.openxmlformats.org/presentationml/2006/main">
+  <p:cSld>
+    <p:spTree>
+      <p:nvGrpSpPr>
+        <p:cNvPr id="1" name=""/>
+        <p:cNvGrpSpPr/>
+        <p:nvPr/>
+      </p:nvGrpSpPr>
+      <p:grpSpPr>
+        <a:xfrm>
+          <a:off x="0" y="0"/>
+          <a:ext cx="0" cy="0"/>
+          <a:chOff x="0" y="0"/>
+          <a:chExt cx="0" cy="0"/>
+        </a:xfrm>
+      </p:grpSpPr>
+      <p:sp>
+        <p:nvSpPr>
+          <p:cNvPr id="2" name="Titre 1"/>
+          <p:cNvSpPr>
+            <a:spLocks noGrp="1"/>
+          </p:cNvSpPr>
+          <p:nvPr>
+            <p:ph type="title"/>
+          </p:nvPr>
+        </p:nvSpPr>
+        <p:spPr/>
+        <p:txBody>
+          <a:bodyPr/>
+          <a:lstStyle/>
+          <a:p>
+            <a:pPr algn="ctr"/>
+            <a:r>
+              <a:rPr lang="fr-FR" dirty="0" smtClean="0"/>
+              <a:t>Indice de coïncidence</a:t>
+            </a:r>
+            <a:endParaRPr lang="fr-FR" dirty="0"/>
+          </a:p>
+        </p:txBody>
+      </p:sp>
+      <p:sp>
+        <p:nvSpPr>
+          <p:cNvPr id="4" name="Rectangle 3"/>
+          <p:cNvSpPr/>
+          <p:nvPr/>
+        </p:nvSpPr>
+        <p:spPr>
+          <a:xfrm>
+            <a:off x="5803265" y="1654793"/>
+            <a:ext cx="5845396" cy="2492990"/>
+          </a:xfrm>
+          <a:prstGeom prst="rect">
+            <a:avLst/>
+          </a:prstGeom>
+        </p:spPr>
+        <p:txBody>
+          <a:bodyPr wrap="square">
+            <a:spAutoFit/>
+          </a:bodyPr>
+          <a:lstStyle/>
+          <a:p>
+            <a:r>
+              <a:rPr lang="fr-FR" dirty="0" smtClean="0"/>
+              <a:t>● Calcul la probabilité d’apparition de chaque lettre (alphabet de 26 lettres « a » à « z »)</a:t>
+            </a:r>
+          </a:p>
+          <a:p>
+            <a:endParaRPr lang="fr-FR" dirty="0"/>
+          </a:p>
+          <a:p>
+            <a:r>
+              <a:rPr lang="fr-FR" dirty="0"/>
+              <a:t>● </a:t>
+            </a:r>
+            <a:r>
+              <a:rPr lang="fr-FR" dirty="0" smtClean="0"/>
+              <a:t>Détermine le langage utilisé grâce aux indices de référence (0,072 pour le français)</a:t>
+            </a:r>
+            <a:endParaRPr lang="fr-FR" dirty="0"/>
+          </a:p>
+          <a:p>
+            <a:endParaRPr lang="fr-FR" baseline="30000" dirty="0"/>
+          </a:p>
+          <a:p>
+            <a:r>
+              <a:rPr lang="fr-FR" dirty="0" smtClean="0"/>
+              <a:t>● Détermine si c’est une substitution poly-alphabétique ou mono-alphabétique</a:t>
+            </a:r>
+            <a:endParaRPr lang="fr-FR" dirty="0"/>
+          </a:p>
+          <a:p>
+            <a:r>
+              <a:rPr lang="fr-FR" dirty="0" smtClean="0"/>
+              <a:t> </a:t>
+            </a:r>
+          </a:p>
+        </p:txBody>
+      </p:sp>
+      <mc:AlternateContent xmlns:mc="http://schemas.openxmlformats.org/markup-compatibility/2006">
+        <mc:Choice xmlns:a14="http://schemas.microsoft.com/office/drawing/2010/main" Requires="a14">
+          <p:sp>
+            <p:nvSpPr>
+              <p:cNvPr id="6" name="Rectangle 5"/>
+              <p:cNvSpPr/>
+              <p:nvPr/>
+            </p:nvSpPr>
+            <p:spPr>
+              <a:xfrm>
+                <a:off x="-457200" y="2634516"/>
+                <a:ext cx="5913783" cy="533544"/>
+              </a:xfrm>
+              <a:prstGeom prst="rect">
+                <a:avLst/>
+              </a:prstGeom>
+            </p:spPr>
+            <p:txBody>
+              <a:bodyPr wrap="square">
+                <a:spAutoFit/>
+              </a:bodyPr>
+              <a:lstStyle/>
+              <a:p>
+                <a:pPr marL="3057525" marR="295275" indent="89535" algn="ctr">
+                  <a:spcAft>
+                    <a:spcPts val="0"/>
+                  </a:spcAft>
+                </a:pPr>
+                <a14:m>
+                  <m:oMath xmlns:m="http://schemas.openxmlformats.org/officeDocument/2006/math">
+                    <m:r>
+                      <a:rPr lang="fr-FR" i="1" smtClean="0">
+                        <a:latin typeface="Cambria Math" panose="02040503050406030204" pitchFamily="18" charset="0"/>
+                        <a:ea typeface="MS Mincho" panose="02020609040205080304" pitchFamily="49" charset="-128"/>
+                        <a:cs typeface="Times New Roman" panose="02020603050405020304" pitchFamily="18" charset="0"/>
+                      </a:rPr>
+                      <m:t>𝐼𝐶</m:t>
+                    </m:r>
+                    <m:r>
+                      <a:rPr lang="fr-FR" b="0" i="1" smtClean="0">
+                        <a:latin typeface="Cambria Math" panose="02040503050406030204" pitchFamily="18" charset="0"/>
+                        <a:ea typeface="MS Mincho" panose="02020609040205080304" pitchFamily="49" charset="-128"/>
+                        <a:cs typeface="Times New Roman" panose="02020603050405020304" pitchFamily="18" charset="0"/>
+                      </a:rPr>
+                      <m:t>=</m:t>
+                    </m:r>
+                    <m:nary>
+                      <m:naryPr>
+                        <m:chr m:val="∑"/>
+                        <m:limLoc m:val="undOvr"/>
+                        <m:ctrlPr>
+                          <a:rPr lang="fr-FR" i="1">
+                            <a:effectLst/>
+                            <a:latin typeface="Cambria Math" panose="02040503050406030204" pitchFamily="18" charset="0"/>
+                            <a:ea typeface="MS Mincho" panose="02020609040205080304" pitchFamily="49" charset="-128"/>
+                            <a:cs typeface="Times New Roman" panose="02020603050405020304" pitchFamily="18" charset="0"/>
+                          </a:rPr>
+                        </m:ctrlPr>
+                      </m:naryPr>
+                      <m:sub>
+                        <m:r>
+                          <a:rPr lang="fr-FR" i="1">
+                            <a:effectLst/>
+                            <a:latin typeface="Cambria Math" panose="02040503050406030204" pitchFamily="18" charset="0"/>
+                            <a:ea typeface="MS Mincho" panose="02020609040205080304" pitchFamily="49" charset="-128"/>
+                            <a:cs typeface="Times New Roman" panose="02020603050405020304" pitchFamily="18" charset="0"/>
+                          </a:rPr>
+                          <m:t>𝑖</m:t>
+                        </m:r>
+                        <m:r>
+                          <a:rPr lang="fr-FR" i="1">
+                            <a:effectLst/>
+                            <a:latin typeface="Cambria Math" panose="02040503050406030204" pitchFamily="18" charset="0"/>
+                            <a:ea typeface="MS Mincho" panose="02020609040205080304" pitchFamily="49" charset="-128"/>
+                            <a:cs typeface="Times New Roman" panose="02020603050405020304" pitchFamily="18" charset="0"/>
+                          </a:rPr>
+                          <m:t>=1</m:t>
+                        </m:r>
+                      </m:sub>
+                      <m:sup>
+                        <m:r>
+                          <a:rPr lang="fr-FR" i="1">
+                            <a:effectLst/>
+                            <a:latin typeface="Cambria Math" panose="02040503050406030204" pitchFamily="18" charset="0"/>
+                            <a:ea typeface="MS Mincho" panose="02020609040205080304" pitchFamily="49" charset="-128"/>
+                            <a:cs typeface="Times New Roman" panose="02020603050405020304" pitchFamily="18" charset="0"/>
+                          </a:rPr>
+                          <m:t>26</m:t>
+                        </m:r>
+                      </m:sup>
+                      <m:e>
+                        <m:f>
+                          <m:fPr>
+                            <m:ctrlPr>
+                              <a:rPr lang="fr-FR" i="1">
+                                <a:effectLst/>
+                                <a:latin typeface="Cambria Math" panose="02040503050406030204" pitchFamily="18" charset="0"/>
+                                <a:ea typeface="MS Mincho" panose="02020609040205080304" pitchFamily="49" charset="-128"/>
+                                <a:cs typeface="Times New Roman" panose="02020603050405020304" pitchFamily="18" charset="0"/>
+                              </a:rPr>
+                            </m:ctrlPr>
+                          </m:fPr>
+                          <m:num>
+                            <m:r>
+                              <a:rPr lang="fr-FR" i="1">
+                                <a:effectLst/>
+                                <a:latin typeface="Cambria Math" panose="02040503050406030204" pitchFamily="18" charset="0"/>
+                                <a:ea typeface="MS Mincho" panose="02020609040205080304" pitchFamily="49" charset="-128"/>
+                                <a:cs typeface="Times New Roman" panose="02020603050405020304" pitchFamily="18" charset="0"/>
+                              </a:rPr>
+                              <m:t>𝑛𝑖</m:t>
+                            </m:r>
+                            <m:r>
+                              <a:rPr lang="fr-FR" i="1">
+                                <a:effectLst/>
+                                <a:latin typeface="Cambria Math" panose="02040503050406030204" pitchFamily="18" charset="0"/>
+                                <a:ea typeface="MS Mincho" panose="02020609040205080304" pitchFamily="49" charset="-128"/>
+                                <a:cs typeface="Times New Roman" panose="02020603050405020304" pitchFamily="18" charset="0"/>
+                              </a:rPr>
+                              <m:t>(</m:t>
+                            </m:r>
+                            <m:r>
+                              <a:rPr lang="fr-FR" i="1">
+                                <a:effectLst/>
+                                <a:latin typeface="Cambria Math" panose="02040503050406030204" pitchFamily="18" charset="0"/>
+                                <a:ea typeface="MS Mincho" panose="02020609040205080304" pitchFamily="49" charset="-128"/>
+                                <a:cs typeface="Times New Roman" panose="02020603050405020304" pitchFamily="18" charset="0"/>
+                              </a:rPr>
+                              <m:t>𝑛𝑖</m:t>
+                            </m:r>
+                            <m:r>
+                              <a:rPr lang="fr-FR" i="1">
+                                <a:effectLst/>
+                                <a:latin typeface="Cambria Math" panose="02040503050406030204" pitchFamily="18" charset="0"/>
+                                <a:ea typeface="MS Mincho" panose="02020609040205080304" pitchFamily="49" charset="-128"/>
+                                <a:cs typeface="Times New Roman" panose="02020603050405020304" pitchFamily="18" charset="0"/>
+                              </a:rPr>
+                              <m:t>−1)</m:t>
+                            </m:r>
+                          </m:num>
+                          <m:den>
+                            <m:r>
+                              <a:rPr lang="fr-FR" i="1">
+                                <a:effectLst/>
+                                <a:latin typeface="Cambria Math" panose="02040503050406030204" pitchFamily="18" charset="0"/>
+                                <a:ea typeface="MS Mincho" panose="02020609040205080304" pitchFamily="49" charset="-128"/>
+                                <a:cs typeface="Times New Roman" panose="02020603050405020304" pitchFamily="18" charset="0"/>
+                              </a:rPr>
+                              <m:t>𝑁</m:t>
+                            </m:r>
+                            <m:r>
+                              <a:rPr lang="fr-FR" i="1">
+                                <a:effectLst/>
+                                <a:latin typeface="Cambria Math" panose="02040503050406030204" pitchFamily="18" charset="0"/>
+                                <a:ea typeface="MS Mincho" panose="02020609040205080304" pitchFamily="49" charset="-128"/>
+                                <a:cs typeface="Times New Roman" panose="02020603050405020304" pitchFamily="18" charset="0"/>
+                              </a:rPr>
+                              <m:t>(</m:t>
+                            </m:r>
+                            <m:r>
+                              <a:rPr lang="fr-FR" i="1">
+                                <a:effectLst/>
+                                <a:latin typeface="Cambria Math" panose="02040503050406030204" pitchFamily="18" charset="0"/>
+                                <a:ea typeface="MS Mincho" panose="02020609040205080304" pitchFamily="49" charset="-128"/>
+                                <a:cs typeface="Times New Roman" panose="02020603050405020304" pitchFamily="18" charset="0"/>
+                              </a:rPr>
+                              <m:t>𝑁</m:t>
+                            </m:r>
+                            <m:r>
+                              <a:rPr lang="fr-FR" i="1">
+                                <a:effectLst/>
+                                <a:latin typeface="Cambria Math" panose="02040503050406030204" pitchFamily="18" charset="0"/>
+                                <a:ea typeface="MS Mincho" panose="02020609040205080304" pitchFamily="49" charset="-128"/>
+                                <a:cs typeface="Times New Roman" panose="02020603050405020304" pitchFamily="18" charset="0"/>
+                              </a:rPr>
+                              <m:t>−1)</m:t>
+                            </m:r>
+                          </m:den>
+                        </m:f>
+                      </m:e>
+                    </m:nary>
+                  </m:oMath>
+                </a14:m>
+                <a:r>
+                  <a:rPr lang="fr-FR" dirty="0">
+                    <a:effectLst/>
+                    <a:latin typeface="Times New Roman" panose="02020603050405020304" pitchFamily="18" charset="0"/>
+                    <a:ea typeface="MS Mincho" panose="02020609040205080304" pitchFamily="49" charset="-128"/>
+                    <a:cs typeface="Times New Roman" panose="02020603050405020304" pitchFamily="18" charset="0"/>
+                  </a:rPr>
+                  <a:t> </a:t>
+                </a:r>
+                <a:endParaRPr lang="fr-FR" dirty="0">
+                  <a:effectLst/>
+                  <a:latin typeface="Cambria" panose="02040503050406030204" pitchFamily="18" charset="0"/>
+                  <a:ea typeface="MS Mincho" panose="02020609040205080304" pitchFamily="49" charset="-128"/>
+                  <a:cs typeface="Times New Roman" panose="02020603050405020304" pitchFamily="18" charset="0"/>
+                </a:endParaRPr>
+              </a:p>
+            </p:txBody>
+          </p:sp>
+        </mc:Choice>
+        <mc:Fallback>
+          <p:sp>
+            <p:nvSpPr>
+              <p:cNvPr id="6" name="Rectangle 5"/>
+              <p:cNvSpPr>
+                <a:spLocks noRot="1" noChangeAspect="1" noMove="1" noResize="1" noEditPoints="1" noAdjustHandles="1" noChangeArrowheads="1" noChangeShapeType="1" noTextEdit="1"/>
+              </p:cNvSpPr>
+              <p:nvPr/>
+            </p:nvSpPr>
+            <p:spPr>
+              <a:xfrm>
+                <a:off x="-457200" y="2634516"/>
+                <a:ext cx="5913783" cy="533544"/>
+              </a:xfrm>
+              <a:prstGeom prst="rect">
+                <a:avLst/>
+              </a:prstGeom>
+              <a:blipFill rotWithShape="0">
+                <a:blip r:embed="rId2"/>
+                <a:stretch>
+                  <a:fillRect t="-69318" b="-110227"/>
+                </a:stretch>
+              </a:blipFill>
+            </p:spPr>
+            <p:txBody>
+              <a:bodyPr/>
+              <a:lstStyle/>
+              <a:p>
+                <a:r>
+                  <a:rPr lang="fr-FR">
+                    <a:noFill/>
+                  </a:rPr>
+                  <a:t> </a:t>
+                </a:r>
+              </a:p>
+            </p:txBody>
+          </p:sp>
+        </mc:Fallback>
+      </mc:AlternateContent>
+      <p:sp>
+        <p:nvSpPr>
+          <p:cNvPr id="7" name="ZoneTexte 6"/>
+          <p:cNvSpPr txBox="1"/>
+          <p:nvPr/>
+        </p:nvSpPr>
+        <p:spPr>
+          <a:xfrm>
+            <a:off x="2499691" y="2085092"/>
+            <a:ext cx="3051313" cy="369332"/>
+          </a:xfrm>
+          <a:prstGeom prst="rect">
+            <a:avLst/>
+          </a:prstGeom>
+          <a:noFill/>
+        </p:spPr>
+        <p:txBody>
+          <a:bodyPr wrap="square" rtlCol="0">
+            <a:spAutoFit/>
+          </a:bodyPr>
+          <a:lstStyle/>
+          <a:p>
+            <a:r>
+              <a:rPr lang="fr-FR" dirty="0" smtClean="0"/>
+              <a:t>Formule mathématique:</a:t>
+            </a:r>
+            <a:endParaRPr lang="fr-FR" dirty="0"/>
+          </a:p>
+        </p:txBody>
+      </p:sp>
+      <p:sp>
+        <p:nvSpPr>
+          <p:cNvPr id="9" name="Rectangle 8"/>
+          <p:cNvSpPr/>
+          <p:nvPr/>
+        </p:nvSpPr>
+        <p:spPr>
+          <a:xfrm>
+            <a:off x="2088280" y="4088011"/>
+            <a:ext cx="7900545" cy="2769989"/>
+          </a:xfrm>
+          <a:prstGeom prst="rect">
+            <a:avLst/>
+          </a:prstGeom>
+        </p:spPr>
+        <p:txBody>
+          <a:bodyPr wrap="square">
+            <a:spAutoFit/>
+          </a:bodyPr>
+          <a:lstStyle/>
+          <a:p>
+            <a:r>
+              <a:rPr lang="fr-FR" dirty="0" smtClean="0"/>
+              <a:t>● Décryptage du texte 46</a:t>
+            </a:r>
+            <a:r>
+              <a:rPr lang="fr-FR" baseline="30000" dirty="0" smtClean="0"/>
+              <a:t>3</a:t>
+            </a:r>
+            <a:r>
+              <a:rPr lang="fr-FR" dirty="0" smtClean="0"/>
+              <a:t> fois</a:t>
+            </a:r>
+          </a:p>
+          <a:p>
+            <a:r>
+              <a:rPr lang="fr-FR" dirty="0"/>
+              <a:t>● </a:t>
+            </a:r>
+            <a:r>
+              <a:rPr lang="fr-FR" dirty="0" smtClean="0"/>
+              <a:t>Calcul de l’indice de coïncidence pour chaque décryptage</a:t>
+            </a:r>
+          </a:p>
+          <a:p>
+            <a:r>
+              <a:rPr lang="fr-FR" dirty="0"/>
+              <a:t>● </a:t>
+            </a:r>
+            <a:r>
+              <a:rPr lang="fr-FR" dirty="0" smtClean="0"/>
+              <a:t>On garde le texte décrypté où l’indice est le plus proche de 0,072</a:t>
+            </a:r>
+          </a:p>
+          <a:p>
+            <a:endParaRPr lang="fr-FR" baseline="30000" dirty="0"/>
+          </a:p>
+          <a:p>
+            <a:r>
+              <a:rPr lang="fr-FR" dirty="0"/>
+              <a:t>● </a:t>
+            </a:r>
+            <a:r>
+              <a:rPr lang="fr-FR" b="1" dirty="0" smtClean="0"/>
+              <a:t>Avantages</a:t>
+            </a:r>
+            <a:r>
+              <a:rPr lang="fr-FR" dirty="0" smtClean="0"/>
+              <a:t>: très efficace et calcul au plus 46</a:t>
+            </a:r>
+            <a:r>
+              <a:rPr lang="fr-FR" baseline="30000" dirty="0" smtClean="0"/>
+              <a:t>3</a:t>
+            </a:r>
+            <a:r>
+              <a:rPr lang="fr-FR" dirty="0" smtClean="0"/>
+              <a:t> pour trouver la position des rotors. Possibilité de trouver les branchements dans le </a:t>
+            </a:r>
+            <a:r>
+              <a:rPr lang="fr-FR" dirty="0" err="1" smtClean="0"/>
+              <a:t>plugboard</a:t>
+            </a:r>
+            <a:r>
+              <a:rPr lang="fr-FR" dirty="0" smtClean="0"/>
+              <a:t> de manière moins coûteuse.</a:t>
+            </a:r>
+            <a:endParaRPr lang="fr-FR" baseline="30000" dirty="0"/>
+          </a:p>
+          <a:p>
+            <a:r>
+              <a:rPr lang="fr-FR" dirty="0"/>
+              <a:t>● </a:t>
+            </a:r>
+            <a:r>
+              <a:rPr lang="fr-FR" b="1" dirty="0" smtClean="0"/>
+              <a:t>Limites</a:t>
+            </a:r>
+            <a:r>
+              <a:rPr lang="fr-FR" dirty="0" smtClean="0"/>
+              <a:t>: Indice pas ou peu fiable sur les textes courts.</a:t>
+            </a:r>
+            <a:endParaRPr lang="fr-FR" baseline="30000" dirty="0"/>
+          </a:p>
+          <a:p>
+            <a:endParaRPr lang="fr-FR" baseline="30000" dirty="0"/>
+          </a:p>
+          <a:p>
+            <a:endParaRPr lang="fr-FR" baseline="30000" dirty="0"/>
+          </a:p>
+          <a:p>
+            <a:endParaRPr lang="fr-FR" baseline="30000" dirty="0" smtClean="0"/>
+          </a:p>
+        </p:txBody>
+      </p:sp>
+    </p:spTree>
+    <p:extLst>
+      <p:ext uri="{BB962C8B-B14F-4D97-AF65-F5344CB8AC3E}">
+        <p14:creationId xmlns:p14="http://schemas.microsoft.com/office/powerpoint/2010/main" val="2543892724"/>
+      </p:ext>
+    </p:extLst>
+  </p:cSld>
+  <p:clrMapOvr>
+    <a:masterClrMapping/>
+  </p:clrMapOvr>
+</p:sld>
+</file>
+
+<file path=ppt/slides/slide14.xml><?xml version="1.0" encoding="utf-8"?>
+<p:sld xmlns:a="http://schemas.openxmlformats.org/drawingml/2006/main" xmlns:r="http://schemas.openxmlformats.org/officeDocument/2006/relationships" xmlns:p="http://schemas.openxmlformats.org/presentationml/2006/main">
+  <p:cSld>
+    <p:spTree>
+      <p:nvGrpSpPr>
+        <p:cNvPr id="1" name=""/>
+        <p:cNvGrpSpPr/>
+        <p:nvPr/>
+      </p:nvGrpSpPr>
+      <p:grpSpPr>
+        <a:xfrm>
+          <a:off x="0" y="0"/>
+          <a:ext cx="0" cy="0"/>
+          <a:chOff x="0" y="0"/>
+          <a:chExt cx="0" cy="0"/>
+        </a:xfrm>
+      </p:grpSpPr>
+      <p:sp>
+        <p:nvSpPr>
+          <p:cNvPr id="2" name="Titre 1"/>
+          <p:cNvSpPr>
+            <a:spLocks noGrp="1"/>
+          </p:cNvSpPr>
+          <p:nvPr>
+            <p:ph type="title"/>
+          </p:nvPr>
+        </p:nvSpPr>
+        <p:spPr/>
+        <p:txBody>
+          <a:bodyPr/>
+          <a:lstStyle/>
+          <a:p>
+            <a:pPr algn="ctr"/>
+            <a:r>
+              <a:rPr lang="fr-FR" dirty="0" smtClean="0"/>
+              <a:t>Bilan</a:t>
+            </a:r>
+            <a:endParaRPr lang="fr-FR" dirty="0"/>
+          </a:p>
+        </p:txBody>
+      </p:sp>
+      <p:sp>
+        <p:nvSpPr>
+          <p:cNvPr id="3" name="Espace réservé du contenu 2"/>
+          <p:cNvSpPr>
+            <a:spLocks noGrp="1"/>
+          </p:cNvSpPr>
+          <p:nvPr>
+            <p:ph idx="1"/>
+          </p:nvPr>
+        </p:nvSpPr>
+        <p:spPr/>
+        <p:txBody>
+          <a:bodyPr/>
+          <a:lstStyle/>
+          <a:p>
+            <a:r>
+              <a:rPr lang="fr-FR" dirty="0" smtClean="0"/>
+              <a:t>Nouvelles connaissances en cryptographie</a:t>
+            </a:r>
+          </a:p>
+          <a:p>
+            <a:r>
+              <a:rPr lang="fr-FR" dirty="0" smtClean="0"/>
+              <a:t>Fort intérêt pour la cryptanalyse</a:t>
+            </a:r>
+          </a:p>
+          <a:p>
+            <a:r>
+              <a:rPr lang="fr-FR" dirty="0" smtClean="0"/>
+              <a:t>Application de nos connaissances en informatique et en gestion de projet</a:t>
+            </a:r>
+          </a:p>
+          <a:p>
+            <a:r>
+              <a:rPr lang="fr-FR" dirty="0" smtClean="0"/>
+              <a:t>Envie de continuer le projet</a:t>
+            </a:r>
+            <a:endParaRPr lang="fr-FR" dirty="0"/>
+          </a:p>
+        </p:txBody>
+      </p:sp>
+    </p:spTree>
+    <p:extLst>
+      <p:ext uri="{BB962C8B-B14F-4D97-AF65-F5344CB8AC3E}">
+        <p14:creationId xmlns:p14="http://schemas.microsoft.com/office/powerpoint/2010/main" val="1574922156"/>
+      </p:ext>
+    </p:extLst>
+  </p:cSld>
+  <p:clrMapOvr>
+    <a:masterClrMapping/>
+  </p:clrMapOvr>
+  <p:timing>
+    <p:tnLst>
+      <p:par>
+        <p:cTn id="1" dur="indefinite" restart="never" nodeType="tmRoot"/>
+      </p:par>
+    </p:tnLst>
+  </p:timing>
+</p:sld>
+</file>
+
+<file path=ppt/slides/slide2.xml><?xml version="1.0" encoding="utf-8"?>
+<p:sld xmlns:a="http://schemas.openxmlformats.org/drawingml/2006/main" xmlns:r="http://schemas.openxmlformats.org/officeDocument/2006/relationships" xmlns:p="http://schemas.openxmlformats.org/presentationml/2006/main">
+  <p:cSld>
+    <p:spTree>
+      <p:nvGrpSpPr>
+        <p:cNvPr id="1" name=""/>
+        <p:cNvGrpSpPr/>
+        <p:nvPr/>
+      </p:nvGrpSpPr>
+      <p:grpSpPr>
+        <a:xfrm>
+          <a:off x="0" y="0"/>
+          <a:ext cx="0" cy="0"/>
+          <a:chOff x="0" y="0"/>
+          <a:chExt cx="0" cy="0"/>
+        </a:xfrm>
+      </p:grpSpPr>
+      <p:sp>
+        <p:nvSpPr>
+          <p:cNvPr id="2" name="Titre 1"/>
+          <p:cNvSpPr>
+            <a:spLocks noGrp="1"/>
+          </p:cNvSpPr>
+          <p:nvPr>
+            <p:ph type="title"/>
+          </p:nvPr>
+        </p:nvSpPr>
+        <p:spPr/>
+        <p:txBody>
+          <a:bodyPr/>
+          <a:lstStyle/>
+          <a:p>
+            <a:pPr algn="ctr"/>
+            <a:r>
+              <a:rPr lang="fr-FR" dirty="0" smtClean="0"/>
+              <a:t>Plan</a:t>
+            </a:r>
+            <a:endParaRPr lang="fr-FR" dirty="0"/>
+          </a:p>
+        </p:txBody>
+      </p:sp>
+      <p:sp>
+        <p:nvSpPr>
+          <p:cNvPr id="3" name="Espace réservé du contenu 2"/>
+          <p:cNvSpPr>
+            <a:spLocks noGrp="1"/>
+          </p:cNvSpPr>
+          <p:nvPr>
+            <p:ph idx="1"/>
+          </p:nvPr>
+        </p:nvSpPr>
+        <p:spPr/>
+        <p:txBody>
+          <a:bodyPr/>
+          <a:lstStyle/>
+          <a:p>
+            <a:r>
+              <a:rPr lang="fr-FR" dirty="0" err="1" smtClean="0"/>
+              <a:t>Enigma</a:t>
+            </a:r>
+            <a:r>
+              <a:rPr lang="fr-FR" dirty="0" smtClean="0"/>
+              <a:t>: Machine de cryptage</a:t>
+            </a:r>
+          </a:p>
+          <a:p>
+            <a:pPr lvl="1"/>
+            <a:r>
+              <a:rPr lang="fr-FR" dirty="0" smtClean="0"/>
+              <a:t>Les rotors</a:t>
+            </a:r>
+          </a:p>
+          <a:p>
+            <a:pPr lvl="1"/>
+            <a:r>
+              <a:rPr lang="fr-FR" dirty="0" smtClean="0"/>
+              <a:t>Le </a:t>
+            </a:r>
+            <a:r>
+              <a:rPr lang="fr-FR" dirty="0" err="1" smtClean="0"/>
+              <a:t>plugboard</a:t>
+            </a:r>
+            <a:endParaRPr lang="fr-FR" dirty="0" smtClean="0"/>
+          </a:p>
+          <a:p>
+            <a:pPr lvl="1"/>
+            <a:r>
+              <a:rPr lang="fr-FR" dirty="0" smtClean="0"/>
+              <a:t>Le réflecteur</a:t>
+            </a:r>
+          </a:p>
+          <a:p>
+            <a:pPr marL="457200" lvl="1" indent="0">
+              <a:buNone/>
+            </a:pPr>
+            <a:endParaRPr lang="fr-FR" dirty="0" smtClean="0"/>
+          </a:p>
+          <a:p>
+            <a:r>
+              <a:rPr lang="fr-FR" dirty="0" err="1"/>
+              <a:t>Enigma</a:t>
+            </a:r>
+            <a:r>
+              <a:rPr lang="fr-FR" dirty="0"/>
+              <a:t>: </a:t>
+            </a:r>
+            <a:r>
+              <a:rPr lang="fr-FR" dirty="0" smtClean="0"/>
+              <a:t>Simulation informatique</a:t>
+            </a:r>
+            <a:endParaRPr lang="fr-FR" dirty="0"/>
+          </a:p>
+          <a:p>
+            <a:pPr lvl="1"/>
+            <a:r>
+              <a:rPr lang="fr-FR" dirty="0" smtClean="0"/>
+              <a:t>Organisation du projet</a:t>
+            </a:r>
+            <a:endParaRPr lang="fr-FR" dirty="0"/>
+          </a:p>
+          <a:p>
+            <a:pPr lvl="1"/>
+            <a:r>
+              <a:rPr lang="fr-FR" dirty="0" smtClean="0"/>
+              <a:t>Logique de fonctionnement</a:t>
+            </a:r>
+            <a:endParaRPr lang="fr-FR" dirty="0"/>
+          </a:p>
+          <a:p>
+            <a:pPr lvl="1"/>
+            <a:r>
+              <a:rPr lang="fr-FR" dirty="0" smtClean="0"/>
+              <a:t>Difficultés et solutions retenues</a:t>
+            </a:r>
+          </a:p>
+          <a:p>
+            <a:pPr marL="457200" lvl="1" indent="0">
+              <a:buNone/>
+            </a:pPr>
+            <a:endParaRPr lang="fr-FR" dirty="0"/>
+          </a:p>
+          <a:p>
+            <a:pPr marL="457200" lvl="1" indent="0">
+              <a:buNone/>
+            </a:pPr>
+            <a:endParaRPr lang="fr-FR" dirty="0"/>
+          </a:p>
+          <a:p>
+            <a:pPr marL="457200" lvl="1" indent="0">
+              <a:buNone/>
+            </a:pPr>
+            <a:endParaRPr lang="fr-FR" dirty="0"/>
+          </a:p>
+        </p:txBody>
+      </p:sp>
+    </p:spTree>
+    <p:extLst>
+      <p:ext uri="{BB962C8B-B14F-4D97-AF65-F5344CB8AC3E}">
+        <p14:creationId xmlns:p14="http://schemas.microsoft.com/office/powerpoint/2010/main" val="3549545995"/>
+      </p:ext>
+    </p:extLst>
+  </p:cSld>
+  <p:clrMapOvr>
+    <a:masterClrMapping/>
+  </p:clrMapOvr>
+  <p:timing>
+    <p:tnLst>
+      <p:par>
+        <p:cTn id="1" dur="indefinite" restart="never" nodeType="tmRoot"/>
+      </p:par>
+    </p:tnLst>
+  </p:timing>
+</p:sld>
+</file>
+
+<file path=ppt/slides/slide3.xml><?xml version="1.0" encoding="utf-8"?>
+<p:sld xmlns:a="http://schemas.openxmlformats.org/drawingml/2006/main" xmlns:r="http://schemas.openxmlformats.org/officeDocument/2006/relationships" xmlns:p="http://schemas.openxmlformats.org/presentationml/2006/main">
+  <p:cSld>
+    <p:spTree>
+      <p:nvGrpSpPr>
+        <p:cNvPr id="1" name=""/>
+        <p:cNvGrpSpPr/>
+        <p:nvPr/>
+      </p:nvGrpSpPr>
+      <p:grpSpPr>
+        <a:xfrm>
+          <a:off x="0" y="0"/>
+          <a:ext cx="0" cy="0"/>
+          <a:chOff x="0" y="0"/>
+          <a:chExt cx="0" cy="0"/>
+        </a:xfrm>
+      </p:grpSpPr>
+      <p:sp>
+        <p:nvSpPr>
+          <p:cNvPr id="2" name="Titre 1"/>
+          <p:cNvSpPr>
+            <a:spLocks noGrp="1"/>
+          </p:cNvSpPr>
+          <p:nvPr>
+            <p:ph type="title"/>
+          </p:nvPr>
+        </p:nvSpPr>
+        <p:spPr/>
+        <p:txBody>
+          <a:bodyPr/>
+          <a:lstStyle/>
+          <a:p>
+            <a:pPr algn="ctr"/>
+            <a:r>
+              <a:rPr lang="fr-FR" dirty="0" smtClean="0"/>
+              <a:t>Les rotors</a:t>
+            </a:r>
+            <a:endParaRPr lang="fr-FR" dirty="0"/>
+          </a:p>
+        </p:txBody>
+      </p:sp>
+      <p:pic>
+        <p:nvPicPr>
+          <p:cNvPr id="4" name="Espace réservé du contenu 3"/>
+          <p:cNvPicPr>
+            <a:picLocks noGrp="1" noChangeAspect="1"/>
+          </p:cNvPicPr>
+          <p:nvPr>
+            <p:ph idx="1"/>
+          </p:nvPr>
+        </p:nvPicPr>
+        <p:blipFill>
+          <a:blip r:embed="rId2"/>
+          <a:stretch>
+            <a:fillRect/>
+          </a:stretch>
+        </p:blipFill>
+        <p:spPr>
+          <a:xfrm>
+            <a:off x="2761890" y="1905000"/>
+            <a:ext cx="2129760" cy="1927800"/>
+          </a:xfrm>
+          <a:prstGeom prst="rect">
+            <a:avLst/>
+          </a:prstGeom>
+        </p:spPr>
+      </p:pic>
+      <p:sp>
+        <p:nvSpPr>
+          <p:cNvPr id="5" name="ZoneTexte 4"/>
+          <p:cNvSpPr txBox="1"/>
+          <p:nvPr/>
+        </p:nvSpPr>
+        <p:spPr>
+          <a:xfrm>
+            <a:off x="5026155" y="1905000"/>
+            <a:ext cx="6095732" cy="2585323"/>
+          </a:xfrm>
+          <a:prstGeom prst="rect">
+            <a:avLst/>
+          </a:prstGeom>
+          <a:noFill/>
+        </p:spPr>
+        <p:txBody>
+          <a:bodyPr wrap="square" rtlCol="0">
+            <a:spAutoFit/>
+          </a:bodyPr>
+          <a:lstStyle/>
+          <a:p>
+            <a:r>
+              <a:rPr lang="fr-FR" dirty="0" smtClean="0"/>
+              <a:t>● Au nombre de trois </a:t>
+            </a:r>
+            <a:r>
+              <a:rPr lang="fr-FR" dirty="0" err="1" smtClean="0"/>
+              <a:t>parmis</a:t>
+            </a:r>
+            <a:r>
+              <a:rPr lang="fr-FR" dirty="0" smtClean="0"/>
+              <a:t> 5</a:t>
+            </a:r>
+          </a:p>
+          <a:p>
+            <a:r>
+              <a:rPr lang="fr-FR" dirty="0"/>
+              <a:t>● </a:t>
+            </a:r>
+            <a:r>
+              <a:rPr lang="fr-FR" dirty="0" smtClean="0"/>
+              <a:t>Forme cylindrique et fixé sur un axe où ils peuvent tourner</a:t>
+            </a:r>
+          </a:p>
+          <a:p>
+            <a:r>
+              <a:rPr lang="fr-FR" dirty="0"/>
+              <a:t>● Forme cylindrique et fixé sur un axe où ils peuvent tourner</a:t>
+            </a:r>
+          </a:p>
+          <a:p>
+            <a:r>
+              <a:rPr lang="fr-FR" dirty="0"/>
+              <a:t>● </a:t>
+            </a:r>
+            <a:r>
+              <a:rPr lang="fr-FR" dirty="0" smtClean="0"/>
+              <a:t>Une lettre ne sera pas cryptée deux fois par la même lettre</a:t>
+            </a:r>
+            <a:endParaRPr lang="fr-FR" dirty="0"/>
+          </a:p>
+          <a:p>
+            <a:endParaRPr lang="fr-FR" dirty="0"/>
+          </a:p>
+          <a:p>
+            <a:endParaRPr lang="fr-FR" dirty="0"/>
+          </a:p>
+        </p:txBody>
+      </p:sp>
+      <mc:AlternateContent xmlns:mc="http://schemas.openxmlformats.org/markup-compatibility/2006" xmlns:a14="http://schemas.microsoft.com/office/drawing/2010/main">
+        <mc:Choice Requires="a14">
+          <p:sp>
+            <p:nvSpPr>
+              <p:cNvPr id="6" name="ZoneTexte 5"/>
+              <p:cNvSpPr txBox="1"/>
+              <p:nvPr/>
+            </p:nvSpPr>
+            <p:spPr>
+              <a:xfrm>
+                <a:off x="3884678" y="4819262"/>
+                <a:ext cx="4189343" cy="1384995"/>
+              </a:xfrm>
+              <a:prstGeom prst="rect">
+                <a:avLst/>
+              </a:prstGeom>
+              <a:noFill/>
+            </p:spPr>
+            <p:txBody>
+              <a:bodyPr wrap="square" lIns="0" tIns="0" rIns="0" bIns="0" rtlCol="0">
+                <a:spAutoFit/>
+              </a:bodyPr>
+              <a:lstStyle/>
+              <a:p>
+                <a:endParaRPr lang="fr-FR" dirty="0"/>
+              </a:p>
+              <a:p>
+                <a:pPr/>
+                <a14:m>
+                  <m:oMathPara xmlns:m="http://schemas.openxmlformats.org/officeDocument/2006/math">
+                    <m:oMathParaPr>
+                      <m:jc m:val="centerGroup"/>
+                    </m:oMathParaPr>
+                    <m:oMath xmlns:m="http://schemas.openxmlformats.org/officeDocument/2006/math">
+                      <m:r>
+                        <m:rPr>
+                          <m:nor/>
+                        </m:rPr>
+                        <a:rPr lang="fr-FR" sz="2400"/>
+                        <m:t>5∗4∗3 =60 263=17 576 </m:t>
+                      </m:r>
+                    </m:oMath>
+                  </m:oMathPara>
+                </a14:m>
+                <a:endParaRPr lang="fr-FR" sz="2400" dirty="0"/>
+              </a:p>
+              <a:p>
+                <a:r>
+                  <a:rPr lang="fr-FR" sz="2400" dirty="0" smtClean="0"/>
+                  <a:t>		26</a:t>
+                </a:r>
+                <a:r>
+                  <a:rPr lang="fr-FR" sz="2400" baseline="30000" dirty="0" smtClean="0"/>
+                  <a:t>3</a:t>
+                </a:r>
+                <a:r>
+                  <a:rPr lang="fr-FR" sz="2400" dirty="0" smtClean="0"/>
+                  <a:t>=17 </a:t>
+                </a:r>
+                <a:r>
+                  <a:rPr lang="fr-FR" sz="2400" dirty="0"/>
+                  <a:t>576 </a:t>
+                </a:r>
+              </a:p>
+              <a:p>
+                <a:pPr/>
+                <a14:m>
+                  <m:oMathPara xmlns:m="http://schemas.openxmlformats.org/officeDocument/2006/math">
+                    <m:oMathParaPr>
+                      <m:jc m:val="centerGroup"/>
+                    </m:oMathParaPr>
+                    <m:oMath xmlns:m="http://schemas.openxmlformats.org/officeDocument/2006/math">
+                      <m:r>
+                        <m:rPr>
+                          <m:nor/>
+                        </m:rPr>
+                        <a:rPr lang="fr-FR" sz="2400"/>
+                        <m:t>Soit</m:t>
+                      </m:r>
+                      <m:r>
+                        <m:rPr>
+                          <m:nor/>
+                        </m:rPr>
+                        <a:rPr lang="fr-FR" sz="2400"/>
+                        <m:t> : 60∗17 576= 1 054 560</m:t>
+                      </m:r>
+                    </m:oMath>
+                  </m:oMathPara>
+                </a14:m>
+                <a:endParaRPr lang="fr-FR" sz="2400" dirty="0"/>
+              </a:p>
+            </p:txBody>
+          </p:sp>
+        </mc:Choice>
+        <mc:Fallback xmlns="">
+          <p:sp>
+            <p:nvSpPr>
+              <p:cNvPr id="6" name="ZoneTexte 5"/>
+              <p:cNvSpPr txBox="1">
+                <a:spLocks noRot="1" noChangeAspect="1" noMove="1" noResize="1" noEditPoints="1" noAdjustHandles="1" noChangeArrowheads="1" noChangeShapeType="1" noTextEdit="1"/>
+              </p:cNvSpPr>
+              <p:nvPr/>
+            </p:nvSpPr>
+            <p:spPr>
+              <a:xfrm>
+                <a:off x="3884678" y="4819262"/>
+                <a:ext cx="4189343" cy="1384995"/>
+              </a:xfrm>
+              <a:prstGeom prst="rect">
+                <a:avLst/>
+              </a:prstGeom>
+              <a:blipFill rotWithShape="0">
+                <a:blip r:embed="rId3"/>
+                <a:stretch>
+                  <a:fillRect b="-3084"/>
+                </a:stretch>
+              </a:blipFill>
+            </p:spPr>
+            <p:txBody>
+              <a:bodyPr/>
+              <a:lstStyle/>
+              <a:p>
+                <a:r>
+                  <a:rPr lang="fr-FR">
+                    <a:noFill/>
+                  </a:rPr>
+                  <a:t> </a:t>
+                </a:r>
+              </a:p>
+            </p:txBody>
+          </p:sp>
+        </mc:Fallback>
+      </mc:AlternateContent>
+      <p:sp>
+        <p:nvSpPr>
+          <p:cNvPr id="8" name="ZoneTexte 7"/>
+          <p:cNvSpPr txBox="1"/>
+          <p:nvPr/>
+        </p:nvSpPr>
+        <p:spPr>
+          <a:xfrm>
+            <a:off x="4522304" y="4345937"/>
+            <a:ext cx="3756991" cy="369332"/>
+          </a:xfrm>
+          <a:prstGeom prst="rect">
+            <a:avLst/>
+          </a:prstGeom>
+          <a:noFill/>
+        </p:spPr>
+        <p:txBody>
+          <a:bodyPr wrap="square" rtlCol="0">
+            <a:spAutoFit/>
+          </a:bodyPr>
+          <a:lstStyle/>
+          <a:p>
+            <a:r>
+              <a:rPr lang="fr-FR" dirty="0" smtClean="0"/>
+              <a:t>Nombre de possibilités:</a:t>
+            </a:r>
+            <a:endParaRPr lang="fr-FR" dirty="0"/>
+          </a:p>
+        </p:txBody>
+      </p:sp>
+    </p:spTree>
+    <p:extLst>
+      <p:ext uri="{BB962C8B-B14F-4D97-AF65-F5344CB8AC3E}">
+        <p14:creationId xmlns:p14="http://schemas.microsoft.com/office/powerpoint/2010/main" val="3565193875"/>
+      </p:ext>
+    </p:extLst>
+  </p:cSld>
+  <p:clrMapOvr>
+    <a:masterClrMapping/>
+  </p:clrMapOvr>
+  <p:timing>
+    <p:tnLst>
+      <p:par>
+        <p:cTn id="1" dur="indefinite" restart="never" nodeType="tmRoot"/>
+      </p:par>
+    </p:tnLst>
+  </p:timing>
+</p:sld>
+</file>
+
+<file path=ppt/slides/slide4.xml><?xml version="1.0" encoding="utf-8"?>
+<p:sld xmlns:a="http://schemas.openxmlformats.org/drawingml/2006/main" xmlns:r="http://schemas.openxmlformats.org/officeDocument/2006/relationships" xmlns:p="http://schemas.openxmlformats.org/presentationml/2006/main">
+  <p:cSld>
+    <p:spTree>
+      <p:nvGrpSpPr>
+        <p:cNvPr id="1" name=""/>
+        <p:cNvGrpSpPr/>
+        <p:nvPr/>
+      </p:nvGrpSpPr>
+      <p:grpSpPr>
+        <a:xfrm>
+          <a:off x="0" y="0"/>
+          <a:ext cx="0" cy="0"/>
+          <a:chOff x="0" y="0"/>
+          <a:chExt cx="0" cy="0"/>
+        </a:xfrm>
+      </p:grpSpPr>
+      <p:sp>
+        <p:nvSpPr>
+          <p:cNvPr id="2" name="Titre 1"/>
+          <p:cNvSpPr>
+            <a:spLocks noGrp="1"/>
+          </p:cNvSpPr>
+          <p:nvPr>
+            <p:ph type="title"/>
+          </p:nvPr>
+        </p:nvSpPr>
+        <p:spPr/>
+        <p:txBody>
+          <a:bodyPr/>
+          <a:lstStyle/>
+          <a:p>
+            <a:pPr algn="ctr"/>
+            <a:r>
+              <a:rPr lang="fr-FR" dirty="0" smtClean="0"/>
+              <a:t>Fonctionnement Rotors</a:t>
+            </a:r>
+            <a:endParaRPr lang="fr-FR" dirty="0"/>
+          </a:p>
+        </p:txBody>
+      </p:sp>
+      <p:pic>
+        <p:nvPicPr>
+          <p:cNvPr id="4" name="Image 3"/>
+          <p:cNvPicPr>
+            <a:picLocks noChangeAspect="1"/>
+          </p:cNvPicPr>
+          <p:nvPr/>
+        </p:nvPicPr>
+        <p:blipFill>
+          <a:blip r:embed="rId2"/>
+          <a:stretch>
+            <a:fillRect/>
+          </a:stretch>
+        </p:blipFill>
+        <p:spPr>
+          <a:xfrm>
+            <a:off x="2398322" y="2086387"/>
+            <a:ext cx="9300892" cy="2396161"/>
+          </a:xfrm>
+          <a:prstGeom prst="rect">
+            <a:avLst/>
+          </a:prstGeom>
+        </p:spPr>
+      </p:pic>
+      <p:sp>
+        <p:nvSpPr>
+          <p:cNvPr id="5" name="Rectangle 4"/>
+          <p:cNvSpPr/>
+          <p:nvPr/>
+        </p:nvSpPr>
+        <p:spPr>
+          <a:xfrm>
+            <a:off x="3146252" y="5131074"/>
+            <a:ext cx="5274201" cy="646331"/>
+          </a:xfrm>
+          <a:prstGeom prst="rect">
+            <a:avLst/>
+          </a:prstGeom>
+        </p:spPr>
+        <p:txBody>
+          <a:bodyPr wrap="none">
+            <a:spAutoFit/>
+          </a:bodyPr>
+          <a:lstStyle/>
+          <a:p>
+            <a:r>
+              <a:rPr lang="fr-FR" dirty="0" smtClean="0"/>
+              <a:t>● « A » cryptée en B</a:t>
+            </a:r>
+          </a:p>
+          <a:p>
+            <a:r>
+              <a:rPr lang="fr-FR" dirty="0"/>
+              <a:t>● </a:t>
+            </a:r>
+            <a:r>
+              <a:rPr lang="fr-FR" dirty="0" smtClean="0"/>
+              <a:t>Les rotors tournent: sorties/entrées décalées</a:t>
+            </a:r>
+            <a:endParaRPr lang="fr-FR" dirty="0"/>
+          </a:p>
+        </p:txBody>
+      </p:sp>
+    </p:spTree>
+    <p:extLst>
+      <p:ext uri="{BB962C8B-B14F-4D97-AF65-F5344CB8AC3E}">
+        <p14:creationId xmlns:p14="http://schemas.microsoft.com/office/powerpoint/2010/main" val="944479991"/>
+      </p:ext>
+    </p:extLst>
+  </p:cSld>
+  <p:clrMapOvr>
+    <a:masterClrMapping/>
+  </p:clrMapOvr>
+</p:sld>
+</file>
+
+<file path=ppt/slides/slide5.xml><?xml version="1.0" encoding="utf-8"?>
+<p:sld xmlns:a="http://schemas.openxmlformats.org/drawingml/2006/main" xmlns:r="http://schemas.openxmlformats.org/officeDocument/2006/relationships" xmlns:p="http://schemas.openxmlformats.org/presentationml/2006/main">
+  <p:cSld>
+    <p:spTree>
+      <p:nvGrpSpPr>
+        <p:cNvPr id="1" name=""/>
+        <p:cNvGrpSpPr/>
+        <p:nvPr/>
+      </p:nvGrpSpPr>
+      <p:grpSpPr>
+        <a:xfrm>
+          <a:off x="0" y="0"/>
+          <a:ext cx="0" cy="0"/>
+          <a:chOff x="0" y="0"/>
+          <a:chExt cx="0" cy="0"/>
+        </a:xfrm>
+      </p:grpSpPr>
+      <p:sp>
+        <p:nvSpPr>
+          <p:cNvPr id="2" name="Titre 1"/>
+          <p:cNvSpPr>
+            <a:spLocks noGrp="1"/>
+          </p:cNvSpPr>
+          <p:nvPr>
+            <p:ph type="title"/>
+          </p:nvPr>
+        </p:nvSpPr>
+        <p:spPr/>
+        <p:txBody>
+          <a:bodyPr/>
+          <a:lstStyle/>
+          <a:p>
+            <a:pPr algn="ctr"/>
+            <a:r>
+              <a:rPr lang="fr-FR" dirty="0" smtClean="0"/>
+              <a:t>Le </a:t>
+            </a:r>
+            <a:r>
+              <a:rPr lang="fr-FR" dirty="0" err="1" smtClean="0"/>
+              <a:t>Plugboard</a:t>
+            </a:r>
+            <a:endParaRPr lang="fr-FR" dirty="0"/>
+          </a:p>
+        </p:txBody>
+      </p:sp>
+      <p:pic>
+        <p:nvPicPr>
+          <p:cNvPr id="5" name="Espace réservé du contenu 4"/>
+          <p:cNvPicPr>
+            <a:picLocks noGrp="1" noChangeAspect="1"/>
+          </p:cNvPicPr>
+          <p:nvPr>
+            <p:ph idx="1"/>
+          </p:nvPr>
+        </p:nvPicPr>
+        <p:blipFill>
+          <a:blip r:embed="rId2"/>
+          <a:stretch>
+            <a:fillRect/>
+          </a:stretch>
+        </p:blipFill>
+        <p:spPr>
+          <a:xfrm>
+            <a:off x="2312130" y="1905000"/>
+            <a:ext cx="2876096" cy="1949354"/>
+          </a:xfrm>
+          <a:prstGeom prst="rect">
+            <a:avLst/>
+          </a:prstGeom>
+        </p:spPr>
+      </p:pic>
+      <p:sp>
+        <p:nvSpPr>
+          <p:cNvPr id="6" name="ZoneTexte 5"/>
+          <p:cNvSpPr txBox="1"/>
+          <p:nvPr/>
+        </p:nvSpPr>
+        <p:spPr>
+          <a:xfrm>
+            <a:off x="5572807" y="2021419"/>
+            <a:ext cx="6095732" cy="1477328"/>
+          </a:xfrm>
+          <a:prstGeom prst="rect">
+            <a:avLst/>
+          </a:prstGeom>
+          <a:noFill/>
+        </p:spPr>
+        <p:txBody>
+          <a:bodyPr wrap="square" rtlCol="0">
+            <a:spAutoFit/>
+          </a:bodyPr>
+          <a:lstStyle/>
+          <a:p>
+            <a:r>
+              <a:rPr lang="fr-FR" dirty="0" smtClean="0"/>
+              <a:t>● Tableau de connexion situé devant la machine</a:t>
+            </a:r>
+          </a:p>
+          <a:p>
+            <a:r>
+              <a:rPr lang="fr-FR" dirty="0"/>
+              <a:t>● </a:t>
+            </a:r>
+            <a:r>
+              <a:rPr lang="fr-FR" dirty="0" smtClean="0"/>
+              <a:t>Permet de permuter deux lettres entre elles</a:t>
+            </a:r>
+            <a:endParaRPr lang="fr-FR" dirty="0"/>
+          </a:p>
+          <a:p>
+            <a:r>
+              <a:rPr lang="fr-FR" dirty="0"/>
+              <a:t>● </a:t>
+            </a:r>
+            <a:r>
+              <a:rPr lang="fr-FR" dirty="0" smtClean="0"/>
+              <a:t>Il offre le plus de possibilité de cryptage</a:t>
+            </a:r>
+            <a:endParaRPr lang="fr-FR" dirty="0"/>
+          </a:p>
+          <a:p>
+            <a:endParaRPr lang="fr-FR" dirty="0"/>
+          </a:p>
+          <a:p>
+            <a:endParaRPr lang="fr-FR" dirty="0"/>
+          </a:p>
+        </p:txBody>
+      </p:sp>
+      <mc:AlternateContent xmlns:mc="http://schemas.openxmlformats.org/markup-compatibility/2006" xmlns:a14="http://schemas.microsoft.com/office/drawing/2010/main">
+        <mc:Choice Requires="a14">
+          <p:sp>
+            <p:nvSpPr>
+              <p:cNvPr id="8" name="Rectangle 7"/>
+              <p:cNvSpPr/>
+              <p:nvPr/>
+            </p:nvSpPr>
+            <p:spPr>
+              <a:xfrm>
+                <a:off x="2312130" y="5085266"/>
+                <a:ext cx="1272913" cy="612732"/>
+              </a:xfrm>
+              <a:prstGeom prst="rect">
+                <a:avLst/>
+              </a:prstGeom>
+            </p:spPr>
+            <p:txBody>
+              <a:bodyPr wrap="none">
+                <a:spAutoFit/>
+              </a:bodyPr>
+              <a:lstStyle/>
+              <a:p>
+                <a:pPr/>
+                <a14:m>
+                  <m:oMathPara xmlns:m="http://schemas.openxmlformats.org/officeDocument/2006/math">
+                    <m:oMathParaPr>
+                      <m:jc m:val="centerGroup"/>
+                    </m:oMathParaPr>
+                    <m:oMath xmlns:m="http://schemas.openxmlformats.org/officeDocument/2006/math">
+                      <m:f>
+                        <m:fPr>
+                          <m:ctrlPr>
+                            <a:rPr lang="fr-FR" i="1">
+                              <a:latin typeface="Cambria Math" panose="02040503050406030204" pitchFamily="18" charset="0"/>
+                            </a:rPr>
+                          </m:ctrlPr>
+                        </m:fPr>
+                        <m:num>
+                          <m:r>
+                            <a:rPr lang="fr-FR">
+                              <a:latin typeface="Cambria Math" panose="02040503050406030204" pitchFamily="18" charset="0"/>
+                            </a:rPr>
+                            <m:t>26</m:t>
+                          </m:r>
+                          <m:r>
+                            <a:rPr lang="fr-FR" i="0">
+                              <a:latin typeface="Cambria Math" panose="02040503050406030204" pitchFamily="18" charset="0"/>
+                            </a:rPr>
+                            <m:t> !</m:t>
+                          </m:r>
+                        </m:num>
+                        <m:den>
+                          <m:r>
+                            <a:rPr lang="fr-FR" i="0">
+                              <a:latin typeface="Cambria Math" panose="02040503050406030204" pitchFamily="18" charset="0"/>
+                            </a:rPr>
+                            <m:t>6 !10 !</m:t>
+                          </m:r>
+                          <m:sSup>
+                            <m:sSupPr>
+                              <m:ctrlPr>
+                                <a:rPr lang="fr-FR" i="1">
+                                  <a:latin typeface="Cambria Math" panose="02040503050406030204" pitchFamily="18" charset="0"/>
+                                </a:rPr>
+                              </m:ctrlPr>
+                            </m:sSupPr>
+                            <m:e>
+                              <m:r>
+                                <a:rPr lang="fr-FR" i="0">
+                                  <a:latin typeface="Cambria Math" panose="02040503050406030204" pitchFamily="18" charset="0"/>
+                                </a:rPr>
+                                <m:t>2</m:t>
+                              </m:r>
+                            </m:e>
+                            <m:sup>
+                              <m:r>
+                                <a:rPr lang="fr-FR" i="0">
+                                  <a:latin typeface="Cambria Math" panose="02040503050406030204" pitchFamily="18" charset="0"/>
+                                </a:rPr>
+                                <m:t>10</m:t>
+                              </m:r>
+                            </m:sup>
+                          </m:sSup>
+                        </m:den>
+                      </m:f>
+                    </m:oMath>
+                  </m:oMathPara>
+                </a14:m>
+                <a:endParaRPr lang="fr-FR" dirty="0"/>
+              </a:p>
+            </p:txBody>
+          </p:sp>
+        </mc:Choice>
+        <mc:Fallback xmlns="">
+          <p:sp>
+            <p:nvSpPr>
+              <p:cNvPr id="8" name="Rectangle 7"/>
+              <p:cNvSpPr>
+                <a:spLocks noRot="1" noChangeAspect="1" noMove="1" noResize="1" noEditPoints="1" noAdjustHandles="1" noChangeArrowheads="1" noChangeShapeType="1" noTextEdit="1"/>
+              </p:cNvSpPr>
+              <p:nvPr/>
+            </p:nvSpPr>
+            <p:spPr>
+              <a:xfrm>
+                <a:off x="2312130" y="5085266"/>
+                <a:ext cx="1272913" cy="612732"/>
+              </a:xfrm>
+              <a:prstGeom prst="rect">
+                <a:avLst/>
+              </a:prstGeom>
+              <a:blipFill rotWithShape="0">
+                <a:blip r:embed="rId3"/>
+                <a:stretch>
+                  <a:fillRect/>
+                </a:stretch>
+              </a:blipFill>
+            </p:spPr>
+            <p:txBody>
+              <a:bodyPr/>
+              <a:lstStyle/>
+              <a:p>
+                <a:r>
+                  <a:rPr lang="fr-FR">
+                    <a:noFill/>
+                  </a:rPr>
+                  <a:t> </a:t>
+                </a:r>
+              </a:p>
+            </p:txBody>
+          </p:sp>
+        </mc:Fallback>
+      </mc:AlternateContent>
+      <p:sp>
+        <p:nvSpPr>
+          <p:cNvPr id="9" name="Rectangle 8"/>
+          <p:cNvSpPr/>
+          <p:nvPr/>
+        </p:nvSpPr>
+        <p:spPr>
+          <a:xfrm>
+            <a:off x="3468756" y="5191577"/>
+            <a:ext cx="2512226" cy="400110"/>
+          </a:xfrm>
+          <a:prstGeom prst="rect">
+            <a:avLst/>
+          </a:prstGeom>
+        </p:spPr>
+        <p:txBody>
+          <a:bodyPr wrap="none">
+            <a:spAutoFit/>
+          </a:bodyPr>
+          <a:lstStyle/>
+          <a:p>
+            <a:r>
+              <a:rPr lang="fr-FR" sz="2000" dirty="0">
+                <a:latin typeface="Cambria" panose="02040503050406030204" pitchFamily="18" charset="0"/>
+                <a:ea typeface="MS Mincho" panose="02020609040205080304" pitchFamily="49" charset="-128"/>
+                <a:cs typeface="Times New Roman" panose="02020603050405020304" pitchFamily="18" charset="0"/>
+              </a:rPr>
+              <a:t>= </a:t>
+            </a:r>
+            <a:r>
+              <a:rPr lang="fr-FR" dirty="0">
+                <a:latin typeface="Cambria" panose="02040503050406030204" pitchFamily="18" charset="0"/>
+                <a:ea typeface="MS Mincho" panose="02020609040205080304" pitchFamily="49" charset="-128"/>
+                <a:cs typeface="Times New Roman" panose="02020603050405020304" pitchFamily="18" charset="0"/>
+              </a:rPr>
+              <a:t>150 738 274 937 250</a:t>
+            </a:r>
+            <a:endParaRPr lang="fr-FR" dirty="0"/>
+          </a:p>
+        </p:txBody>
+      </p:sp>
+      <p:sp>
+        <p:nvSpPr>
+          <p:cNvPr id="10" name="ZoneTexte 9"/>
+          <p:cNvSpPr txBox="1"/>
+          <p:nvPr/>
+        </p:nvSpPr>
+        <p:spPr>
+          <a:xfrm>
+            <a:off x="2425149" y="4360732"/>
+            <a:ext cx="3309730" cy="646331"/>
+          </a:xfrm>
+          <a:prstGeom prst="rect">
+            <a:avLst/>
+          </a:prstGeom>
+          <a:noFill/>
+        </p:spPr>
+        <p:txBody>
+          <a:bodyPr wrap="square" rtlCol="0">
+            <a:spAutoFit/>
+          </a:bodyPr>
+          <a:lstStyle/>
+          <a:p>
+            <a:r>
+              <a:rPr lang="fr-FR" dirty="0" smtClean="0"/>
+              <a:t>Nombre de possibilités du </a:t>
+            </a:r>
+            <a:r>
+              <a:rPr lang="fr-FR" dirty="0" err="1" smtClean="0"/>
+              <a:t>plugboard</a:t>
+            </a:r>
+            <a:r>
+              <a:rPr lang="fr-FR" dirty="0" smtClean="0"/>
+              <a:t>:</a:t>
+            </a:r>
+            <a:endParaRPr lang="fr-FR" dirty="0"/>
+          </a:p>
+        </p:txBody>
+      </p:sp>
+      <p:sp>
+        <p:nvSpPr>
+          <p:cNvPr id="11" name="ZoneTexte 10"/>
+          <p:cNvSpPr txBox="1"/>
+          <p:nvPr/>
+        </p:nvSpPr>
+        <p:spPr>
+          <a:xfrm>
+            <a:off x="7358271" y="4360732"/>
+            <a:ext cx="3902764" cy="369332"/>
+          </a:xfrm>
+          <a:prstGeom prst="rect">
+            <a:avLst/>
+          </a:prstGeom>
+          <a:noFill/>
+        </p:spPr>
+        <p:txBody>
+          <a:bodyPr wrap="square" rtlCol="0">
+            <a:spAutoFit/>
+          </a:bodyPr>
+          <a:lstStyle/>
+          <a:p>
+            <a:r>
+              <a:rPr lang="fr-FR" dirty="0" smtClean="0"/>
+              <a:t>Nombre de possibilités totale:</a:t>
+            </a:r>
+            <a:endParaRPr lang="fr-FR" dirty="0"/>
+          </a:p>
+        </p:txBody>
+      </p:sp>
+      <mc:AlternateContent xmlns:mc="http://schemas.openxmlformats.org/markup-compatibility/2006" xmlns:a14="http://schemas.microsoft.com/office/drawing/2010/main">
+        <mc:Choice Requires="a14">
+          <p:sp>
+            <p:nvSpPr>
+              <p:cNvPr id="12" name="Rectangle 11"/>
+              <p:cNvSpPr/>
+              <p:nvPr/>
+            </p:nvSpPr>
+            <p:spPr>
+              <a:xfrm>
+                <a:off x="6261653" y="5007063"/>
+                <a:ext cx="6096000" cy="646331"/>
+              </a:xfrm>
+              <a:prstGeom prst="rect">
+                <a:avLst/>
+              </a:prstGeom>
+            </p:spPr>
+            <p:txBody>
+              <a:bodyPr>
+                <a:spAutoFit/>
+              </a:bodyPr>
+              <a:lstStyle/>
+              <a:p>
+                <a:pPr marR="295275" algn="ctr">
+                  <a:spcAft>
+                    <a:spcPts val="0"/>
+                  </a:spcAft>
+                </a:pPr>
+                <a14:m>
+                  <m:oMathPara xmlns:m="http://schemas.openxmlformats.org/officeDocument/2006/math">
+                    <m:oMathParaPr>
+                      <m:jc m:val="centerGroup"/>
+                    </m:oMathParaPr>
+                    <m:oMath xmlns:m="http://schemas.openxmlformats.org/officeDocument/2006/math">
+                      <m:r>
+                        <a:rPr lang="fr-FR" smtClean="0">
+                          <a:latin typeface="Cambria Math" panose="02040503050406030204" pitchFamily="18" charset="0"/>
+                          <a:ea typeface="MS Mincho" panose="02020609040205080304" pitchFamily="49" charset="-128"/>
+                          <a:cs typeface="Times New Roman" panose="02020603050405020304" pitchFamily="18" charset="0"/>
+                        </a:rPr>
+                        <m:t>150</m:t>
+                      </m:r>
+                      <m:r>
+                        <a:rPr lang="fr-FR" i="1">
+                          <a:effectLst/>
+                          <a:latin typeface="Cambria Math" panose="02040503050406030204" pitchFamily="18" charset="0"/>
+                          <a:ea typeface="MS Mincho" panose="02020609040205080304" pitchFamily="49" charset="-128"/>
+                          <a:cs typeface="Times New Roman" panose="02020603050405020304" pitchFamily="18" charset="0"/>
+                        </a:rPr>
+                        <m:t> </m:t>
+                      </m:r>
+                      <m:r>
+                        <a:rPr lang="fr-FR">
+                          <a:effectLst/>
+                          <a:latin typeface="Cambria Math" panose="02040503050406030204" pitchFamily="18" charset="0"/>
+                          <a:ea typeface="MS Mincho" panose="02020609040205080304" pitchFamily="49" charset="-128"/>
+                          <a:cs typeface="Times New Roman" panose="02020603050405020304" pitchFamily="18" charset="0"/>
+                        </a:rPr>
+                        <m:t>738</m:t>
+                      </m:r>
+                      <m:r>
+                        <a:rPr lang="fr-FR" i="1">
+                          <a:effectLst/>
+                          <a:latin typeface="Cambria Math" panose="02040503050406030204" pitchFamily="18" charset="0"/>
+                          <a:ea typeface="MS Mincho" panose="02020609040205080304" pitchFamily="49" charset="-128"/>
+                          <a:cs typeface="Times New Roman" panose="02020603050405020304" pitchFamily="18" charset="0"/>
+                        </a:rPr>
+                        <m:t> </m:t>
+                      </m:r>
+                      <m:r>
+                        <a:rPr lang="fr-FR">
+                          <a:effectLst/>
+                          <a:latin typeface="Cambria Math" panose="02040503050406030204" pitchFamily="18" charset="0"/>
+                          <a:ea typeface="MS Mincho" panose="02020609040205080304" pitchFamily="49" charset="-128"/>
+                          <a:cs typeface="Times New Roman" panose="02020603050405020304" pitchFamily="18" charset="0"/>
+                        </a:rPr>
+                        <m:t>274</m:t>
+                      </m:r>
+                      <m:r>
+                        <a:rPr lang="fr-FR" i="1">
+                          <a:effectLst/>
+                          <a:latin typeface="Cambria Math" panose="02040503050406030204" pitchFamily="18" charset="0"/>
+                          <a:ea typeface="MS Mincho" panose="02020609040205080304" pitchFamily="49" charset="-128"/>
+                          <a:cs typeface="Times New Roman" panose="02020603050405020304" pitchFamily="18" charset="0"/>
+                        </a:rPr>
+                        <m:t> </m:t>
+                      </m:r>
+                      <m:r>
+                        <a:rPr lang="fr-FR">
+                          <a:effectLst/>
+                          <a:latin typeface="Cambria Math" panose="02040503050406030204" pitchFamily="18" charset="0"/>
+                          <a:ea typeface="MS Mincho" panose="02020609040205080304" pitchFamily="49" charset="-128"/>
+                          <a:cs typeface="Times New Roman" panose="02020603050405020304" pitchFamily="18" charset="0"/>
+                        </a:rPr>
+                        <m:t>937</m:t>
+                      </m:r>
+                      <m:r>
+                        <a:rPr lang="fr-FR" i="1">
+                          <a:effectLst/>
+                          <a:latin typeface="Cambria Math" panose="02040503050406030204" pitchFamily="18" charset="0"/>
+                          <a:ea typeface="MS Mincho" panose="02020609040205080304" pitchFamily="49" charset="-128"/>
+                          <a:cs typeface="Times New Roman" panose="02020603050405020304" pitchFamily="18" charset="0"/>
+                        </a:rPr>
+                        <m:t> </m:t>
+                      </m:r>
+                      <m:r>
+                        <a:rPr lang="fr-FR">
+                          <a:effectLst/>
+                          <a:latin typeface="Cambria Math" panose="02040503050406030204" pitchFamily="18" charset="0"/>
+                          <a:ea typeface="MS Mincho" panose="02020609040205080304" pitchFamily="49" charset="-128"/>
+                          <a:cs typeface="Times New Roman" panose="02020603050405020304" pitchFamily="18" charset="0"/>
+                        </a:rPr>
+                        <m:t>250</m:t>
+                      </m:r>
+                      <m:r>
+                        <a:rPr lang="fr-FR" i="1">
+                          <a:effectLst/>
+                          <a:latin typeface="Cambria Math" panose="02040503050406030204" pitchFamily="18" charset="0"/>
+                          <a:ea typeface="MS Mincho" panose="02020609040205080304" pitchFamily="49" charset="-128"/>
+                          <a:cs typeface="Times New Roman" panose="02020603050405020304" pitchFamily="18" charset="0"/>
+                        </a:rPr>
+                        <m:t>∗1 054 560</m:t>
+                      </m:r>
+                    </m:oMath>
+                  </m:oMathPara>
+                </a14:m>
+                <a:endParaRPr lang="fr-FR" i="1" dirty="0" smtClean="0">
+                  <a:effectLst/>
+                  <a:latin typeface="Cambria Math" panose="02040503050406030204" pitchFamily="18" charset="0"/>
+                  <a:ea typeface="MS Mincho" panose="02020609040205080304" pitchFamily="49" charset="-128"/>
+                  <a:cs typeface="Times New Roman" panose="02020603050405020304" pitchFamily="18" charset="0"/>
+                </a:endParaRPr>
+              </a:p>
+              <a:p>
+                <a:pPr marR="295275" algn="ctr">
+                  <a:spcAft>
+                    <a:spcPts val="0"/>
+                  </a:spcAft>
+                </a:pPr>
+                <a14:m>
+                  <m:oMath xmlns:m="http://schemas.openxmlformats.org/officeDocument/2006/math">
+                    <m:r>
+                      <a:rPr lang="fr-FR" i="1">
+                        <a:effectLst/>
+                        <a:latin typeface="Cambria Math" panose="02040503050406030204" pitchFamily="18" charset="0"/>
+                        <a:ea typeface="MS Mincho" panose="02020609040205080304" pitchFamily="49" charset="-128"/>
+                        <a:cs typeface="Times New Roman" panose="02020603050405020304" pitchFamily="18" charset="0"/>
+                      </a:rPr>
+                      <m:t>= </m:t>
+                    </m:r>
+                  </m:oMath>
+                </a14:m>
+                <a:r>
+                  <a:rPr lang="fr-FR" dirty="0">
+                    <a:effectLst/>
+                    <a:latin typeface="Cambria" panose="02040503050406030204" pitchFamily="18" charset="0"/>
+                    <a:ea typeface="MS Mincho" panose="02020609040205080304" pitchFamily="49" charset="-128"/>
+                    <a:cs typeface="Times New Roman" panose="02020603050405020304" pitchFamily="18" charset="0"/>
+                  </a:rPr>
+                  <a:t>158 962 555 217 826 360 000</a:t>
+                </a:r>
+                <a:endParaRPr lang="fr-FR" sz="1600" dirty="0">
+                  <a:effectLst/>
+                  <a:latin typeface="Cambria" panose="02040503050406030204" pitchFamily="18" charset="0"/>
+                  <a:ea typeface="MS Mincho" panose="02020609040205080304" pitchFamily="49" charset="-128"/>
+                  <a:cs typeface="Times New Roman" panose="02020603050405020304" pitchFamily="18" charset="0"/>
+                </a:endParaRPr>
+              </a:p>
+            </p:txBody>
+          </p:sp>
+        </mc:Choice>
+        <mc:Fallback xmlns="">
+          <p:sp>
+            <p:nvSpPr>
+              <p:cNvPr id="12" name="Rectangle 11"/>
+              <p:cNvSpPr>
+                <a:spLocks noRot="1" noChangeAspect="1" noMove="1" noResize="1" noEditPoints="1" noAdjustHandles="1" noChangeArrowheads="1" noChangeShapeType="1" noTextEdit="1"/>
+              </p:cNvSpPr>
+              <p:nvPr/>
+            </p:nvSpPr>
+            <p:spPr>
+              <a:xfrm>
+                <a:off x="6261653" y="5007063"/>
+                <a:ext cx="6096000" cy="646331"/>
+              </a:xfrm>
+              <a:prstGeom prst="rect">
+                <a:avLst/>
+              </a:prstGeom>
+              <a:blipFill rotWithShape="0">
+                <a:blip r:embed="rId4"/>
+                <a:stretch>
+                  <a:fillRect b="-13208"/>
+                </a:stretch>
+              </a:blipFill>
+            </p:spPr>
+            <p:txBody>
+              <a:bodyPr/>
+              <a:lstStyle/>
+              <a:p>
+                <a:r>
+                  <a:rPr lang="fr-FR">
+                    <a:noFill/>
+                  </a:rPr>
+                  <a:t> </a:t>
+                </a:r>
+              </a:p>
+            </p:txBody>
+          </p:sp>
+        </mc:Fallback>
+      </mc:AlternateContent>
+    </p:spTree>
+    <p:extLst>
+      <p:ext uri="{BB962C8B-B14F-4D97-AF65-F5344CB8AC3E}">
+        <p14:creationId xmlns:p14="http://schemas.microsoft.com/office/powerpoint/2010/main" val="3944690768"/>
+      </p:ext>
+    </p:extLst>
+  </p:cSld>
+  <p:clrMapOvr>
+    <a:masterClrMapping/>
+  </p:clrMapOvr>
+  <p:timing>
+    <p:tnLst>
+      <p:par>
+        <p:cTn id="1" dur="indefinite" restart="never" nodeType="tmRoot"/>
+      </p:par>
+    </p:tnLst>
+  </p:timing>
+</p:sld>
+</file>
+
+<file path=ppt/slides/slide6.xml><?xml version="1.0" encoding="utf-8"?>
+<p:sld xmlns:a="http://schemas.openxmlformats.org/drawingml/2006/main" xmlns:r="http://schemas.openxmlformats.org/officeDocument/2006/relationships" xmlns:p="http://schemas.openxmlformats.org/presentationml/2006/main">
+  <p:cSld>
+    <p:spTree>
+      <p:nvGrpSpPr>
+        <p:cNvPr id="1" name=""/>
+        <p:cNvGrpSpPr/>
+        <p:nvPr/>
+      </p:nvGrpSpPr>
+      <p:grpSpPr>
+        <a:xfrm>
+          <a:off x="0" y="0"/>
+          <a:ext cx="0" cy="0"/>
+          <a:chOff x="0" y="0"/>
+          <a:chExt cx="0" cy="0"/>
+        </a:xfrm>
+      </p:grpSpPr>
+      <p:sp>
+        <p:nvSpPr>
+          <p:cNvPr id="2" name="Titre 1"/>
+          <p:cNvSpPr>
+            <a:spLocks noGrp="1"/>
+          </p:cNvSpPr>
+          <p:nvPr>
+            <p:ph type="title"/>
+          </p:nvPr>
+        </p:nvSpPr>
+        <p:spPr/>
+        <p:txBody>
+          <a:bodyPr/>
+          <a:lstStyle/>
+          <a:p>
+            <a:pPr algn="ctr"/>
+            <a:r>
+              <a:rPr lang="fr-FR" dirty="0"/>
+              <a:t>Fonctionnement </a:t>
+            </a:r>
+            <a:r>
+              <a:rPr lang="fr-FR" dirty="0" err="1" smtClean="0"/>
+              <a:t>Plugboard</a:t>
+            </a:r>
+            <a:endParaRPr lang="fr-FR" dirty="0"/>
+          </a:p>
+        </p:txBody>
+      </p:sp>
+      <p:pic>
+        <p:nvPicPr>
+          <p:cNvPr id="4" name="Image 3"/>
+          <p:cNvPicPr>
+            <a:picLocks noChangeAspect="1"/>
+          </p:cNvPicPr>
+          <p:nvPr/>
+        </p:nvPicPr>
+        <p:blipFill>
+          <a:blip r:embed="rId2"/>
+          <a:stretch>
+            <a:fillRect/>
+          </a:stretch>
+        </p:blipFill>
+        <p:spPr>
+          <a:xfrm>
+            <a:off x="2334561" y="1905000"/>
+            <a:ext cx="9428413" cy="2988523"/>
+          </a:xfrm>
+          <a:prstGeom prst="rect">
+            <a:avLst/>
+          </a:prstGeom>
+        </p:spPr>
+      </p:pic>
+      <p:sp>
+        <p:nvSpPr>
+          <p:cNvPr id="5" name="Rectangle 4"/>
+          <p:cNvSpPr/>
+          <p:nvPr/>
+        </p:nvSpPr>
+        <p:spPr>
+          <a:xfrm>
+            <a:off x="3116435" y="5578335"/>
+            <a:ext cx="5622052" cy="369332"/>
+          </a:xfrm>
+          <a:prstGeom prst="rect">
+            <a:avLst/>
+          </a:prstGeom>
+        </p:spPr>
+        <p:txBody>
+          <a:bodyPr wrap="none">
+            <a:spAutoFit/>
+          </a:bodyPr>
+          <a:lstStyle/>
+          <a:p>
+            <a:r>
+              <a:rPr lang="fr-FR" dirty="0" smtClean="0"/>
+              <a:t>● Le </a:t>
+            </a:r>
+            <a:r>
+              <a:rPr lang="fr-FR" dirty="0" err="1" smtClean="0"/>
+              <a:t>plugboard</a:t>
+            </a:r>
+            <a:r>
+              <a:rPr lang="fr-FR" dirty="0" smtClean="0"/>
+              <a:t> échange les lettres « A » et « B »</a:t>
+            </a:r>
+          </a:p>
+        </p:txBody>
+      </p:sp>
+    </p:spTree>
+    <p:extLst>
+      <p:ext uri="{BB962C8B-B14F-4D97-AF65-F5344CB8AC3E}">
+        <p14:creationId xmlns:p14="http://schemas.microsoft.com/office/powerpoint/2010/main" val="2284694580"/>
+      </p:ext>
+    </p:extLst>
+  </p:cSld>
+  <p:clrMapOvr>
+    <a:masterClrMapping/>
+  </p:clrMapOvr>
+</p:sld>
+</file>
+
+<file path=ppt/slides/slide7.xml><?xml version="1.0" encoding="utf-8"?>
+<p:sld xmlns:a="http://schemas.openxmlformats.org/drawingml/2006/main" xmlns:r="http://schemas.openxmlformats.org/officeDocument/2006/relationships" xmlns:p="http://schemas.openxmlformats.org/presentationml/2006/main">
+  <p:cSld>
+    <p:spTree>
+      <p:nvGrpSpPr>
+        <p:cNvPr id="1" name=""/>
+        <p:cNvGrpSpPr/>
+        <p:nvPr/>
+      </p:nvGrpSpPr>
+      <p:grpSpPr>
+        <a:xfrm>
+          <a:off x="0" y="0"/>
+          <a:ext cx="0" cy="0"/>
+          <a:chOff x="0" y="0"/>
+          <a:chExt cx="0" cy="0"/>
+        </a:xfrm>
+      </p:grpSpPr>
+      <p:sp>
+        <p:nvSpPr>
+          <p:cNvPr id="2" name="Titre 1"/>
+          <p:cNvSpPr>
+            <a:spLocks noGrp="1"/>
+          </p:cNvSpPr>
+          <p:nvPr>
+            <p:ph type="title"/>
+          </p:nvPr>
+        </p:nvSpPr>
+        <p:spPr/>
+        <p:txBody>
+          <a:bodyPr/>
+          <a:lstStyle/>
+          <a:p>
+            <a:pPr algn="ctr"/>
+            <a:r>
+              <a:rPr lang="fr-FR" dirty="0"/>
+              <a:t>Le </a:t>
+            </a:r>
+            <a:r>
+              <a:rPr lang="fr-FR" dirty="0" smtClean="0"/>
+              <a:t>réflecteur</a:t>
+            </a:r>
+            <a:endParaRPr lang="fr-FR" dirty="0"/>
+          </a:p>
+        </p:txBody>
+      </p:sp>
+      <p:pic>
+        <p:nvPicPr>
+          <p:cNvPr id="5" name="Espace réservé du contenu 4" descr="réflecteur"/>
+          <p:cNvPicPr>
+            <a:picLocks noGrp="1"/>
+          </p:cNvPicPr>
+          <p:nvPr>
+            <p:ph idx="1"/>
+          </p:nvPr>
+        </p:nvPicPr>
+        <p:blipFill>
+          <a:blip r:embed="rId2">
+            <a:extLst>
+              <a:ext uri="{28A0092B-C50C-407E-A947-70E740481C1C}">
+                <a14:useLocalDpi xmlns:a14="http://schemas.microsoft.com/office/drawing/2010/main" val="0"/>
+              </a:ext>
+            </a:extLst>
+          </a:blip>
+          <a:srcRect/>
+          <a:stretch>
+            <a:fillRect/>
+          </a:stretch>
+        </p:blipFill>
+        <p:spPr bwMode="auto">
+          <a:xfrm>
+            <a:off x="2592925" y="2223052"/>
+            <a:ext cx="1989014" cy="1978853"/>
+          </a:xfrm>
+          <a:prstGeom prst="rect">
+            <a:avLst/>
+          </a:prstGeom>
+          <a:noFill/>
+          <a:ln>
+            <a:noFill/>
+          </a:ln>
+        </p:spPr>
+      </p:pic>
+      <p:sp>
+        <p:nvSpPr>
+          <p:cNvPr id="6" name="ZoneTexte 5"/>
+          <p:cNvSpPr txBox="1"/>
+          <p:nvPr/>
+        </p:nvSpPr>
+        <p:spPr>
+          <a:xfrm>
+            <a:off x="4916824" y="1991602"/>
+            <a:ext cx="6095732" cy="3693319"/>
+          </a:xfrm>
+          <a:prstGeom prst="rect">
+            <a:avLst/>
+          </a:prstGeom>
+          <a:noFill/>
+        </p:spPr>
+        <p:txBody>
+          <a:bodyPr wrap="square" rtlCol="0">
+            <a:spAutoFit/>
+          </a:bodyPr>
+          <a:lstStyle/>
+          <a:p>
+            <a:r>
+              <a:rPr lang="fr-FR" dirty="0" smtClean="0"/>
+              <a:t>● Rend le cryptage réversible</a:t>
+            </a:r>
+          </a:p>
+          <a:p>
+            <a:r>
+              <a:rPr lang="fr-FR" dirty="0"/>
+              <a:t>● </a:t>
+            </a:r>
+            <a:r>
+              <a:rPr lang="fr-FR" dirty="0" smtClean="0"/>
+              <a:t>Plus besoin d’avoir une machine pour crypter et une autre pour décrypter</a:t>
+            </a:r>
+          </a:p>
+          <a:p>
+            <a:r>
+              <a:rPr lang="fr-FR" dirty="0"/>
+              <a:t>● </a:t>
+            </a:r>
+            <a:r>
+              <a:rPr lang="fr-FR" dirty="0" smtClean="0"/>
+              <a:t>« A » cryptée en « B » alors « B » sera décryptée en « A »</a:t>
+            </a:r>
+          </a:p>
+          <a:p>
+            <a:r>
+              <a:rPr lang="fr-FR" dirty="0"/>
+              <a:t>● </a:t>
+            </a:r>
+            <a:r>
+              <a:rPr lang="fr-FR" dirty="0" smtClean="0"/>
+              <a:t>Empêche alors toute lettre d’être cryptée par elle-même</a:t>
+            </a:r>
+          </a:p>
+          <a:p>
+            <a:r>
+              <a:rPr lang="fr-FR" dirty="0"/>
+              <a:t>● </a:t>
+            </a:r>
+            <a:r>
+              <a:rPr lang="fr-FR" dirty="0" smtClean="0"/>
+              <a:t>Ne rajoute pas de possibilités de cryptage</a:t>
+            </a:r>
+            <a:endParaRPr lang="fr-FR" dirty="0"/>
+          </a:p>
+          <a:p>
+            <a:endParaRPr lang="fr-FR" dirty="0"/>
+          </a:p>
+          <a:p>
+            <a:endParaRPr lang="fr-FR" dirty="0"/>
+          </a:p>
+          <a:p>
+            <a:endParaRPr lang="fr-FR" dirty="0"/>
+          </a:p>
+          <a:p>
+            <a:endParaRPr lang="fr-FR" dirty="0"/>
+          </a:p>
+          <a:p>
+            <a:endParaRPr lang="fr-FR" dirty="0"/>
+          </a:p>
+        </p:txBody>
+      </p:sp>
+    </p:spTree>
+    <p:extLst>
+      <p:ext uri="{BB962C8B-B14F-4D97-AF65-F5344CB8AC3E}">
+        <p14:creationId xmlns:p14="http://schemas.microsoft.com/office/powerpoint/2010/main" val="956231738"/>
+      </p:ext>
+    </p:extLst>
+  </p:cSld>
+  <p:clrMapOvr>
+    <a:masterClrMapping/>
+  </p:clrMapOvr>
+  <p:timing>
+    <p:tnLst>
+      <p:par>
+        <p:cTn id="1" dur="indefinite" restart="never" nodeType="tmRoot"/>
+      </p:par>
+    </p:tnLst>
+  </p:timing>
+</p:sld>
+</file>
+
+<file path=ppt/slides/slide8.xml><?xml version="1.0" encoding="utf-8"?>
+<p:sld xmlns:a="http://schemas.openxmlformats.org/drawingml/2006/main" xmlns:r="http://schemas.openxmlformats.org/officeDocument/2006/relationships" xmlns:p="http://schemas.openxmlformats.org/presentationml/2006/main">
+  <p:cSld>
+    <p:spTree>
+      <p:nvGrpSpPr>
+        <p:cNvPr id="1" name=""/>
+        <p:cNvGrpSpPr/>
+        <p:nvPr/>
+      </p:nvGrpSpPr>
+      <p:grpSpPr>
+        <a:xfrm>
+          <a:off x="0" y="0"/>
+          <a:ext cx="0" cy="0"/>
+          <a:chOff x="0" y="0"/>
+          <a:chExt cx="0" cy="0"/>
+        </a:xfrm>
+      </p:grpSpPr>
+      <p:sp>
+        <p:nvSpPr>
+          <p:cNvPr id="2" name="Titre 1"/>
+          <p:cNvSpPr>
+            <a:spLocks noGrp="1"/>
+          </p:cNvSpPr>
+          <p:nvPr>
+            <p:ph type="title"/>
+          </p:nvPr>
+        </p:nvSpPr>
+        <p:spPr/>
+        <p:txBody>
+          <a:bodyPr/>
+          <a:lstStyle/>
+          <a:p>
+            <a:pPr algn="ctr"/>
+            <a:r>
+              <a:rPr lang="fr-FR" dirty="0"/>
+              <a:t>Fonctionnement </a:t>
+            </a:r>
+            <a:r>
+              <a:rPr lang="fr-FR" dirty="0" smtClean="0"/>
+              <a:t>Réflecteur</a:t>
+            </a:r>
+            <a:endParaRPr lang="fr-FR" dirty="0"/>
+          </a:p>
+        </p:txBody>
+      </p:sp>
+      <p:pic>
+        <p:nvPicPr>
+          <p:cNvPr id="4" name="Image 3"/>
+          <p:cNvPicPr>
+            <a:picLocks noChangeAspect="1"/>
+          </p:cNvPicPr>
+          <p:nvPr/>
+        </p:nvPicPr>
+        <p:blipFill>
+          <a:blip r:embed="rId2"/>
+          <a:stretch>
+            <a:fillRect/>
+          </a:stretch>
+        </p:blipFill>
+        <p:spPr>
+          <a:xfrm>
+            <a:off x="1999900" y="2427466"/>
+            <a:ext cx="9758954" cy="2432769"/>
+          </a:xfrm>
+          <a:prstGeom prst="rect">
+            <a:avLst/>
+          </a:prstGeom>
+        </p:spPr>
+      </p:pic>
+      <p:sp>
+        <p:nvSpPr>
+          <p:cNvPr id="5" name="Rectangle 4"/>
+          <p:cNvSpPr/>
+          <p:nvPr/>
+        </p:nvSpPr>
+        <p:spPr>
+          <a:xfrm>
+            <a:off x="1999900" y="5198035"/>
+            <a:ext cx="4961615" cy="1200329"/>
+          </a:xfrm>
+          <a:prstGeom prst="rect">
+            <a:avLst/>
+          </a:prstGeom>
+        </p:spPr>
+        <p:txBody>
+          <a:bodyPr wrap="none">
+            <a:spAutoFit/>
+          </a:bodyPr>
+          <a:lstStyle/>
+          <a:p>
+            <a:r>
+              <a:rPr lang="fr-FR" dirty="0" smtClean="0"/>
+              <a:t>● Le réflecteur fait une ultime permutation</a:t>
+            </a:r>
+          </a:p>
+          <a:p>
+            <a:r>
+              <a:rPr lang="fr-FR" dirty="0"/>
+              <a:t>● </a:t>
+            </a:r>
+            <a:r>
+              <a:rPr lang="fr-FR" dirty="0" smtClean="0"/>
+              <a:t>« A » cryptée en « C »</a:t>
+            </a:r>
+          </a:p>
+          <a:p>
+            <a:r>
+              <a:rPr lang="fr-FR" dirty="0"/>
+              <a:t>● </a:t>
+            </a:r>
+            <a:r>
+              <a:rPr lang="fr-FR" dirty="0" smtClean="0"/>
+              <a:t>« C » décryptée en « A »</a:t>
+            </a:r>
+            <a:endParaRPr lang="fr-FR" dirty="0"/>
+          </a:p>
+          <a:p>
+            <a:r>
+              <a:rPr lang="fr-FR" dirty="0" smtClean="0"/>
+              <a:t> </a:t>
+            </a:r>
+          </a:p>
+        </p:txBody>
+      </p:sp>
+      <p:cxnSp>
+        <p:nvCxnSpPr>
+          <p:cNvPr id="6" name="Connecteur droit 5"/>
+          <p:cNvCxnSpPr/>
+          <p:nvPr/>
+        </p:nvCxnSpPr>
+        <p:spPr>
+          <a:xfrm flipV="1">
+            <a:off x="3999079" y="1700629"/>
+            <a:ext cx="628650" cy="9525"/>
+          </a:xfrm>
+          <a:prstGeom prst="line">
+            <a:avLst/>
+          </a:prstGeom>
+          <a:ln>
+            <a:solidFill>
+              <a:srgbClr val="FF0000"/>
+            </a:solidFill>
+          </a:ln>
+        </p:spPr>
+        <p:style>
+          <a:lnRef idx="2">
+            <a:schemeClr val="accent1"/>
+          </a:lnRef>
+          <a:fillRef idx="0">
+            <a:schemeClr val="accent1"/>
+          </a:fillRef>
+          <a:effectRef idx="1">
+            <a:schemeClr val="accent1"/>
+          </a:effectRef>
+          <a:fontRef idx="minor">
+            <a:schemeClr val="tx1"/>
+          </a:fontRef>
+        </p:style>
+      </p:cxnSp>
+      <p:sp>
+        <p:nvSpPr>
+          <p:cNvPr id="7" name="Rectangle 6"/>
+          <p:cNvSpPr/>
+          <p:nvPr/>
+        </p:nvSpPr>
+        <p:spPr>
+          <a:xfrm>
+            <a:off x="2410824" y="1554982"/>
+            <a:ext cx="1588255" cy="646331"/>
+          </a:xfrm>
+          <a:prstGeom prst="rect">
+            <a:avLst/>
+          </a:prstGeom>
+        </p:spPr>
+        <p:txBody>
+          <a:bodyPr wrap="none">
+            <a:spAutoFit/>
+          </a:bodyPr>
+          <a:lstStyle/>
+          <a:p>
+            <a:r>
+              <a:rPr lang="fr-FR" dirty="0" smtClean="0">
+                <a:latin typeface="Cambria" panose="02040503050406030204" pitchFamily="18" charset="0"/>
+                <a:ea typeface="MS Mincho" panose="02020609040205080304" pitchFamily="49" charset="-128"/>
+                <a:cs typeface="Times New Roman" panose="02020603050405020304" pitchFamily="18" charset="0"/>
+              </a:rPr>
+              <a:t>chemin aller</a:t>
+            </a:r>
+          </a:p>
+          <a:p>
+            <a:r>
+              <a:rPr lang="fr-FR" dirty="0">
+                <a:latin typeface="Cambria" panose="02040503050406030204" pitchFamily="18" charset="0"/>
+                <a:ea typeface="MS Mincho" panose="02020609040205080304" pitchFamily="49" charset="-128"/>
+                <a:cs typeface="Times New Roman" panose="02020603050405020304" pitchFamily="18" charset="0"/>
+              </a:rPr>
+              <a:t>c</a:t>
+            </a:r>
+            <a:r>
+              <a:rPr lang="fr-FR" dirty="0" smtClean="0">
+                <a:latin typeface="Cambria" panose="02040503050406030204" pitchFamily="18" charset="0"/>
+                <a:ea typeface="MS Mincho" panose="02020609040205080304" pitchFamily="49" charset="-128"/>
+                <a:cs typeface="Times New Roman" panose="02020603050405020304" pitchFamily="18" charset="0"/>
+              </a:rPr>
+              <a:t>hemin retour</a:t>
+            </a:r>
+            <a:endParaRPr lang="fr-FR" dirty="0"/>
+          </a:p>
+        </p:txBody>
+      </p:sp>
+      <p:cxnSp>
+        <p:nvCxnSpPr>
+          <p:cNvPr id="8" name="Connecteur droit 7"/>
+          <p:cNvCxnSpPr/>
+          <p:nvPr/>
+        </p:nvCxnSpPr>
+        <p:spPr>
+          <a:xfrm flipV="1">
+            <a:off x="3999079" y="2036382"/>
+            <a:ext cx="628650" cy="9525"/>
+          </a:xfrm>
+          <a:prstGeom prst="line">
+            <a:avLst/>
+          </a:prstGeom>
+          <a:ln>
+            <a:solidFill>
+              <a:srgbClr val="FFC000"/>
+            </a:solidFill>
+          </a:ln>
+        </p:spPr>
+        <p:style>
+          <a:lnRef idx="2">
+            <a:schemeClr val="accent1"/>
+          </a:lnRef>
+          <a:fillRef idx="0">
+            <a:schemeClr val="accent1"/>
+          </a:fillRef>
+          <a:effectRef idx="1">
+            <a:schemeClr val="accent1"/>
+          </a:effectRef>
+          <a:fontRef idx="minor">
+            <a:schemeClr val="tx1"/>
+          </a:fontRef>
+        </p:style>
+      </p:cxnSp>
+    </p:spTree>
+    <p:extLst>
+      <p:ext uri="{BB962C8B-B14F-4D97-AF65-F5344CB8AC3E}">
+        <p14:creationId xmlns:p14="http://schemas.microsoft.com/office/powerpoint/2010/main" val="4107918064"/>
+      </p:ext>
+    </p:extLst>
+  </p:cSld>
+  <p:clrMapOvr>
+    <a:masterClrMapping/>
+  </p:clrMapOvr>
+</p:sld>
+</file>
+
 <file path=ppt/slides/slide9.xml><?xml version="1.0" encoding="utf-8"?>
 <p:sld xmlns:a="http://schemas.openxmlformats.org/drawingml/2006/main" xmlns:r="http://schemas.openxmlformats.org/officeDocument/2006/relationships" xmlns:p="http://schemas.openxmlformats.org/presentationml/2006/main">
   <p:cSld>
@@ -9791,7 +10803,7 @@
             <a:pPr algn="ctr"/>
             <a:r>
               <a:rPr lang="fr-FR" dirty="0" smtClean="0"/>
-              <a:t>Bilan</a:t>
+              <a:t>Organisation du projet</a:t>
             </a:r>
             <a:endParaRPr lang="fr-FR" dirty="0"/>
           </a:p>
@@ -9799,49 +10811,239 @@
       </p:sp>
       <p:sp>
         <p:nvSpPr>
-          <p:cNvPr id="3" name="Espace réservé du contenu 2"/>
-          <p:cNvSpPr>
-            <a:spLocks noGrp="1"/>
-          </p:cNvSpPr>
-          <p:nvPr>
-            <p:ph idx="1"/>
-          </p:nvPr>
-        </p:nvSpPr>
-        <p:spPr/>
-        <p:txBody>
-          <a:bodyPr/>
+          <p:cNvPr id="4" name="ZoneTexte 3"/>
+          <p:cNvSpPr txBox="1"/>
+          <p:nvPr/>
+        </p:nvSpPr>
+        <p:spPr>
+          <a:xfrm>
+            <a:off x="2461859" y="1905000"/>
+            <a:ext cx="9186802" cy="2031325"/>
+          </a:xfrm>
+          <a:prstGeom prst="rect">
+            <a:avLst/>
+          </a:prstGeom>
+          <a:noFill/>
+        </p:spPr>
+        <p:txBody>
+          <a:bodyPr wrap="square" rtlCol="0">
+            <a:spAutoFit/>
+          </a:bodyPr>
           <a:lstStyle/>
           <a:p>
             <a:r>
               <a:rPr lang="fr-FR" dirty="0" smtClean="0"/>
-              <a:t>Nouvelles connaissances en cryptographie</a:t>
-            </a:r>
-          </a:p>
-          <a:p>
+              <a:t>● Compréhension du sujet et du fonctionnement d’</a:t>
+            </a:r>
+            <a:r>
+              <a:rPr lang="fr-FR" dirty="0" err="1" smtClean="0"/>
+              <a:t>Enigma</a:t>
+            </a:r>
+            <a:endParaRPr lang="fr-FR" dirty="0" smtClean="0"/>
+          </a:p>
+          <a:p>
+            <a:r>
+              <a:rPr lang="fr-FR" dirty="0"/>
+              <a:t>● </a:t>
+            </a:r>
             <a:r>
               <a:rPr lang="fr-FR" dirty="0" smtClean="0"/>
-              <a:t>Fort intérêt pour la cryptanalyse</a:t>
-            </a:r>
-          </a:p>
-          <a:p>
+              <a:t>Mise en accord sur les différents outils (Java, MVC)</a:t>
+            </a:r>
+            <a:endParaRPr lang="fr-FR" dirty="0"/>
+          </a:p>
+          <a:p>
+            <a:r>
+              <a:rPr lang="fr-FR" dirty="0"/>
+              <a:t>● </a:t>
+            </a:r>
             <a:r>
               <a:rPr lang="fr-FR" dirty="0" smtClean="0"/>
-              <a:t>Application de nos connaissances en informatique et en gestion de projet</a:t>
-            </a:r>
-          </a:p>
+              <a:t>Création du diagramme de Gantt</a:t>
+            </a:r>
+            <a:endParaRPr lang="fr-FR" dirty="0"/>
+          </a:p>
+          <a:p>
+            <a:endParaRPr lang="fr-FR" dirty="0" smtClean="0"/>
+          </a:p>
+          <a:p>
+            <a:endParaRPr lang="fr-FR" dirty="0"/>
+          </a:p>
+          <a:p>
+            <a:endParaRPr lang="fr-FR" dirty="0"/>
+          </a:p>
+          <a:p>
+            <a:endParaRPr lang="fr-FR" dirty="0"/>
+          </a:p>
+        </p:txBody>
+      </p:sp>
+      <p:pic>
+        <p:nvPicPr>
+          <p:cNvPr id="6" name="Image 5" descr="http://answers.ea.com/t5/image/serverpage/image-id/10151i305CAFB28ED1CE16?v=mpbl-1"/>
+          <p:cNvPicPr/>
+          <p:nvPr/>
+        </p:nvPicPr>
+        <p:blipFill>
+          <a:blip r:embed="rId2">
+            <a:extLst>
+              <a:ext uri="{28A0092B-C50C-407E-A947-70E740481C1C}">
+                <a14:useLocalDpi xmlns:a14="http://schemas.microsoft.com/office/drawing/2010/main" val="0"/>
+              </a:ext>
+            </a:extLst>
+          </a:blip>
+          <a:srcRect/>
+          <a:stretch>
+            <a:fillRect/>
+          </a:stretch>
+        </p:blipFill>
+        <p:spPr bwMode="auto">
+          <a:xfrm>
+            <a:off x="9387543" y="1905000"/>
+            <a:ext cx="1085850" cy="1085850"/>
+          </a:xfrm>
+          <a:prstGeom prst="rect">
+            <a:avLst/>
+          </a:prstGeom>
+          <a:noFill/>
+          <a:ln>
+            <a:noFill/>
+          </a:ln>
+        </p:spPr>
+      </p:pic>
+      <p:sp>
+        <p:nvSpPr>
+          <p:cNvPr id="7" name="ZoneTexte 6"/>
+          <p:cNvSpPr txBox="1"/>
+          <p:nvPr/>
+        </p:nvSpPr>
+        <p:spPr>
+          <a:xfrm>
+            <a:off x="4091876" y="3578087"/>
+            <a:ext cx="9186802" cy="2862322"/>
+          </a:xfrm>
+          <a:prstGeom prst="rect">
+            <a:avLst/>
+          </a:prstGeom>
+          <a:noFill/>
+        </p:spPr>
+        <p:txBody>
+          <a:bodyPr wrap="square" rtlCol="0">
+            <a:spAutoFit/>
+          </a:bodyPr>
+          <a:lstStyle/>
           <a:p>
             <a:r>
               <a:rPr lang="fr-FR" dirty="0" smtClean="0"/>
-              <a:t>Envie de continuer le projet</a:t>
+              <a:t>● Conception UML</a:t>
+            </a:r>
+          </a:p>
+          <a:p>
+            <a:r>
+              <a:rPr lang="fr-FR" dirty="0" smtClean="0"/>
+              <a:t>● Répartition des tâches:</a:t>
+            </a:r>
+          </a:p>
+          <a:p>
+            <a:r>
+              <a:rPr lang="fr-FR" dirty="0"/>
+              <a:t>	</a:t>
+            </a:r>
+            <a:r>
+              <a:rPr lang="fr-FR" dirty="0" smtClean="0"/>
+              <a:t>- Model : cœur de l’application</a:t>
+            </a:r>
+          </a:p>
+          <a:p>
+            <a:r>
+              <a:rPr lang="fr-FR" dirty="0"/>
+              <a:t>	</a:t>
+            </a:r>
+            <a:r>
+              <a:rPr lang="fr-FR" dirty="0" smtClean="0"/>
+              <a:t>- </a:t>
+            </a:r>
+            <a:r>
+              <a:rPr lang="fr-FR" dirty="0" err="1" smtClean="0"/>
+              <a:t>View</a:t>
+            </a:r>
+            <a:r>
+              <a:rPr lang="fr-FR" dirty="0" smtClean="0"/>
+              <a:t> : interface utilisateur</a:t>
+            </a:r>
+          </a:p>
+          <a:p>
+            <a:r>
+              <a:rPr lang="fr-FR" dirty="0"/>
+              <a:t>	</a:t>
+            </a:r>
+            <a:r>
+              <a:rPr lang="fr-FR" dirty="0" smtClean="0"/>
+              <a:t>- Controller : </a:t>
+            </a:r>
+            <a:r>
+              <a:rPr lang="fr-FR" dirty="0" err="1" smtClean="0"/>
+              <a:t>verification</a:t>
+            </a:r>
+            <a:r>
+              <a:rPr lang="fr-FR" dirty="0" smtClean="0"/>
+              <a:t> des données saisies</a:t>
             </a:r>
             <a:endParaRPr lang="fr-FR" dirty="0"/>
           </a:p>
-        </p:txBody>
-      </p:sp>
+          <a:p>
+            <a:endParaRPr lang="fr-FR" dirty="0"/>
+          </a:p>
+          <a:p>
+            <a:endParaRPr lang="fr-FR" dirty="0" smtClean="0"/>
+          </a:p>
+          <a:p>
+            <a:endParaRPr lang="fr-FR" dirty="0"/>
+          </a:p>
+          <a:p>
+            <a:endParaRPr lang="fr-FR" dirty="0"/>
+          </a:p>
+          <a:p>
+            <a:endParaRPr lang="fr-FR" dirty="0"/>
+          </a:p>
+        </p:txBody>
+      </p:sp>
+      <p:pic>
+        <p:nvPicPr>
+          <p:cNvPr id="9" name="Image 8" descr="http://upload.wikimedia.org/wikipedia/fr/9/9a/Unified_Modeling_Language.jpg"/>
+          <p:cNvPicPr/>
+          <p:nvPr/>
+        </p:nvPicPr>
+        <p:blipFill>
+          <a:blip r:embed="rId3">
+            <a:extLst>
+              <a:ext uri="{28A0092B-C50C-407E-A947-70E740481C1C}">
+                <a14:useLocalDpi xmlns:a14="http://schemas.microsoft.com/office/drawing/2010/main" val="0"/>
+              </a:ext>
+            </a:extLst>
+          </a:blip>
+          <a:srcRect/>
+          <a:stretch>
+            <a:fillRect/>
+          </a:stretch>
+        </p:blipFill>
+        <p:spPr bwMode="auto">
+          <a:xfrm>
+            <a:off x="2384356" y="3578087"/>
+            <a:ext cx="1400175" cy="1057275"/>
+          </a:xfrm>
+          <a:prstGeom prst="rect">
+            <a:avLst/>
+          </a:prstGeom>
+          <a:noFill/>
+          <a:ln>
+            <a:noFill/>
+          </a:ln>
+        </p:spPr>
+      </p:pic>
     </p:spTree>
     <p:extLst>
       <p:ext uri="{BB962C8B-B14F-4D97-AF65-F5344CB8AC3E}">
-        <p14:creationId xmlns:p14="http://schemas.microsoft.com/office/powerpoint/2010/main" val="1574922156"/>
+        <p14:creationId xmlns:p14="http://schemas.microsoft.com/office/powerpoint/2010/main" val="2919109511"/>
       </p:ext>
     </p:extLst>
   </p:cSld>

--- a/Rapport/Projet Enigma.pptx
+++ b/Rapport/Projet Enigma.pptx
@@ -7953,15 +7953,7 @@
             <a:pPr algn="ctr"/>
             <a:r>
               <a:rPr lang="fr-FR" dirty="0" smtClean="0"/>
-              <a:t>Difficultés rencontrées et </a:t>
-            </a:r>
-            <a:r>
-              <a:rPr lang="fr-FR" dirty="0" smtClean="0"/>
-              <a:t>solutions </a:t>
-            </a:r>
-            <a:r>
-              <a:rPr lang="fr-FR" dirty="0" smtClean="0"/>
-              <a:t>retenues</a:t>
+              <a:t>Difficultés rencontrées et solutions retenues</a:t>
             </a:r>
             <a:endParaRPr lang="fr-FR" dirty="0"/>
           </a:p>
@@ -8493,8 +8485,8 @@
           </a:p>
         </p:txBody>
       </p:sp>
-      <mc:AlternateContent xmlns:mc="http://schemas.openxmlformats.org/markup-compatibility/2006">
-        <mc:Choice xmlns:a14="http://schemas.microsoft.com/office/drawing/2010/main" Requires="a14">
+      <mc:AlternateContent xmlns:mc="http://schemas.openxmlformats.org/markup-compatibility/2006" xmlns:a14="http://schemas.microsoft.com/office/drawing/2010/main">
+        <mc:Choice Requires="a14">
           <p:sp>
             <p:nvSpPr>
               <p:cNvPr id="6" name="Rectangle 5"/>
@@ -8695,7 +8687,7 @@
             </p:txBody>
           </p:sp>
         </mc:Choice>
-        <mc:Fallback>
+        <mc:Fallback xmlns="">
           <p:sp>
             <p:nvSpPr>
               <p:cNvPr id="6" name="Rectangle 5"/>
@@ -9305,8 +9297,8 @@
           </a:p>
         </p:txBody>
       </p:sp>
-      <mc:AlternateContent xmlns:mc="http://schemas.openxmlformats.org/markup-compatibility/2006" xmlns:a14="http://schemas.microsoft.com/office/drawing/2010/main">
-        <mc:Choice Requires="a14">
+      <mc:AlternateContent xmlns:mc="http://schemas.openxmlformats.org/markup-compatibility/2006">
+        <mc:Choice xmlns:a14="http://schemas.microsoft.com/office/drawing/2010/main" Requires="a14">
           <p:sp>
             <p:nvSpPr>
               <p:cNvPr id="6" name="ZoneTexte 5"/>
@@ -9344,7 +9336,7 @@
                           <m:nor/>
                         </m:rPr>
                         <a:rPr lang="fr-FR" sz="2400"/>
-                        <m:t>5∗4∗3 =60 263=17 576 </m:t>
+                        <m:t>5∗4∗3 =60</m:t>
                       </m:r>
                     </m:oMath>
                   </m:oMathPara>
@@ -9354,14 +9346,22 @@
               <a:p>
                 <a:r>
                   <a:rPr lang="fr-FR" sz="2400" dirty="0" smtClean="0"/>
-                  <a:t>		26</a:t>
+                  <a:t>	</a:t>
                 </a:r>
                 <a:r>
-                  <a:rPr lang="fr-FR" sz="2400" baseline="30000" dirty="0" smtClean="0"/>
+                  <a:rPr lang="fr-FR" sz="2400" smtClean="0"/>
+                  <a:t>	</a:t>
+                </a:r>
+                <a:r>
+                  <a:rPr lang="fr-FR" sz="2400" smtClean="0"/>
+                  <a:t>	26</a:t>
+                </a:r>
+                <a:r>
+                  <a:rPr lang="fr-FR" sz="2400" baseline="30000" smtClean="0"/>
                   <a:t>3</a:t>
                 </a:r>
                 <a:r>
-                  <a:rPr lang="fr-FR" sz="2400" dirty="0" smtClean="0"/>
+                  <a:rPr lang="fr-FR" sz="2400" smtClean="0"/>
                   <a:t>=17 </a:t>
                 </a:r>
                 <a:r>
@@ -9399,7 +9399,7 @@
             </p:txBody>
           </p:sp>
         </mc:Choice>
-        <mc:Fallback xmlns="">
+        <mc:Fallback>
           <p:sp>
             <p:nvSpPr>
               <p:cNvPr id="6" name="ZoneTexte 5"/>
